--- a/Day_1/Lectures/Day_1_Lecture_Arch.pptx
+++ b/Day_1/Lectures/Day_1_Lecture_Arch.pptx
@@ -5,23 +5,24 @@
     <p:sldMasterId id="2147483648" r:id="rId1"/>
   </p:sldMasterIdLst>
   <p:notesMasterIdLst>
-    <p:notesMasterId r:id="rId16"/>
+    <p:notesMasterId r:id="rId17"/>
   </p:notesMasterIdLst>
   <p:sldIdLst>
     <p:sldId id="256" r:id="rId2"/>
-    <p:sldId id="257" r:id="rId3"/>
-    <p:sldId id="258" r:id="rId4"/>
-    <p:sldId id="259" r:id="rId5"/>
-    <p:sldId id="268" r:id="rId6"/>
-    <p:sldId id="267" r:id="rId7"/>
-    <p:sldId id="261" r:id="rId8"/>
-    <p:sldId id="263" r:id="rId9"/>
-    <p:sldId id="269" r:id="rId10"/>
-    <p:sldId id="262" r:id="rId11"/>
-    <p:sldId id="266" r:id="rId12"/>
-    <p:sldId id="264" r:id="rId13"/>
-    <p:sldId id="265" r:id="rId14"/>
-    <p:sldId id="260" r:id="rId15"/>
+    <p:sldId id="270" r:id="rId3"/>
+    <p:sldId id="257" r:id="rId4"/>
+    <p:sldId id="258" r:id="rId5"/>
+    <p:sldId id="259" r:id="rId6"/>
+    <p:sldId id="268" r:id="rId7"/>
+    <p:sldId id="267" r:id="rId8"/>
+    <p:sldId id="261" r:id="rId9"/>
+    <p:sldId id="263" r:id="rId10"/>
+    <p:sldId id="269" r:id="rId11"/>
+    <p:sldId id="262" r:id="rId12"/>
+    <p:sldId id="266" r:id="rId13"/>
+    <p:sldId id="264" r:id="rId14"/>
+    <p:sldId id="265" r:id="rId15"/>
+    <p:sldId id="260" r:id="rId16"/>
   </p:sldIdLst>
   <p:sldSz cx="9144000" cy="6858000" type="screen4x3"/>
   <p:notesSz cx="6858000" cy="9144000"/>
@@ -542,7 +543,7 @@
           <a:p>
             <a:fld id="{036A4C59-9997-D64D-B418-4F4AB05D75FD}" type="slidenum">
               <a:rPr lang="en-US" smtClean="0"/>
-              <a:t>4</a:t>
+              <a:t>5</a:t>
             </a:fld>
             <a:endParaRPr lang="en-US"/>
           </a:p>
@@ -626,7 +627,7 @@
           <a:p>
             <a:fld id="{036A4C59-9997-D64D-B418-4F4AB05D75FD}" type="slidenum">
               <a:rPr lang="en-US" smtClean="0"/>
-              <a:t>5</a:t>
+              <a:t>6</a:t>
             </a:fld>
             <a:endParaRPr lang="en-US"/>
           </a:p>
@@ -751,7 +752,7 @@
           <a:p>
             <a:fld id="{036A4C59-9997-D64D-B418-4F4AB05D75FD}" type="slidenum">
               <a:rPr lang="en-US" smtClean="0"/>
-              <a:t>9</a:t>
+              <a:t>10</a:t>
             </a:fld>
             <a:endParaRPr lang="en-US"/>
           </a:p>
@@ -872,7 +873,7 @@
           <a:p>
             <a:fld id="{036A4C59-9997-D64D-B418-4F4AB05D75FD}" type="slidenum">
               <a:rPr lang="en-US" smtClean="0"/>
-              <a:t>10</a:t>
+              <a:t>11</a:t>
             </a:fld>
             <a:endParaRPr lang="en-US"/>
           </a:p>
@@ -4018,16 +4019,10 @@
         </p:nvSpPr>
         <p:spPr/>
         <p:txBody>
-          <a:bodyPr>
-            <a:normAutofit fontScale="90000"/>
-          </a:bodyPr>
-          <a:lstStyle/>
-          <a:p>
-            <a:r>
-              <a:rPr lang="en-US" dirty="0" smtClean="0"/>
-              <a:t>Provenance of ‘Guitar on a Table’</a:t>
-            </a:r>
-            <a:endParaRPr lang="en-US" dirty="0"/>
+          <a:bodyPr/>
+          <a:lstStyle/>
+          <a:p>
+            <a:endParaRPr lang="en-US"/>
           </a:p>
         </p:txBody>
       </p:sp>
@@ -4043,66 +4038,47 @@
         </p:nvSpPr>
         <p:spPr/>
         <p:txBody>
-          <a:bodyPr>
-            <a:normAutofit/>
-          </a:bodyPr>
-          <a:lstStyle/>
-          <a:p>
-            <a:pPr marL="0" indent="0">
-              <a:buNone/>
-            </a:pPr>
-            <a:r>
-              <a:rPr lang="en-US" sz="2000" i="1" dirty="0" smtClean="0"/>
-              <a:t>This painting was </a:t>
-            </a:r>
-            <a:r>
-              <a:rPr lang="en-US" sz="2000" b="1" i="1" dirty="0" smtClean="0"/>
-              <a:t>acquired by </a:t>
-            </a:r>
-            <a:r>
-              <a:rPr lang="en-US" sz="2000" i="1" dirty="0" smtClean="0"/>
-              <a:t>Gertrude Stein (American, 1874-1946, in Paris after 1902) directly from the artist. After Stein died, her collection was </a:t>
-            </a:r>
-            <a:r>
-              <a:rPr lang="en-US" sz="2000" b="1" i="1" dirty="0" smtClean="0"/>
-              <a:t>entrusted t</a:t>
-            </a:r>
-            <a:r>
-              <a:rPr lang="en-US" sz="2000" i="1" dirty="0" smtClean="0"/>
-              <a:t>o her companion, Alice B. Toklas (American, 1877-1967, in Paris after 1907) until her death. Guitar on a Table was</a:t>
-            </a:r>
-            <a:r>
-              <a:rPr lang="en-US" sz="2000" b="1" i="1" dirty="0" smtClean="0"/>
-              <a:t> bought by </a:t>
-            </a:r>
-            <a:r>
-              <a:rPr lang="en-US" sz="2000" i="1" dirty="0" smtClean="0"/>
-              <a:t>Nelson A. Rockefeller in 1968 from Stein's estate. The painting </a:t>
-            </a:r>
-            <a:r>
-              <a:rPr lang="en-US" sz="2000" b="1" i="1" dirty="0" smtClean="0"/>
-              <a:t>was donated to </a:t>
-            </a:r>
-            <a:r>
-              <a:rPr lang="en-US" sz="2000" i="1" dirty="0" smtClean="0"/>
-              <a:t>Dartmouth College by Rockefeller, an alumnus of the college, in 1975. The painting has </a:t>
-            </a:r>
-            <a:r>
-              <a:rPr lang="en-US" sz="2000" b="1" i="1" dirty="0" smtClean="0"/>
-              <a:t>hung a</a:t>
-            </a:r>
-            <a:r>
-              <a:rPr lang="en-US" sz="2000" i="1" dirty="0" smtClean="0"/>
-              <a:t>t the Hood Museum of Art since the building opened to the public, in 1985.</a:t>
-            </a:r>
-            <a:endParaRPr lang="en-US" sz="2000" i="1" dirty="0"/>
-          </a:p>
-        </p:txBody>
-      </p:sp>
+          <a:bodyPr/>
+          <a:lstStyle/>
+          <a:p>
+            <a:endParaRPr lang="en-US"/>
+          </a:p>
+        </p:txBody>
+      </p:sp>
+      <p:pic>
+        <p:nvPicPr>
+          <p:cNvPr id="4" name="Picture 3" descr="Screen Shot 2014-12-24 at 1.55.42 PM.png"/>
+          <p:cNvPicPr>
+            <a:picLocks noChangeAspect="1"/>
+          </p:cNvPicPr>
+          <p:nvPr/>
+        </p:nvPicPr>
+        <p:blipFill>
+          <a:blip r:embed="rId3">
+            <a:extLst>
+              <a:ext uri="{28A0092B-C50C-407E-A947-70E740481C1C}">
+                <a14:useLocalDpi xmlns:a14="http://schemas.microsoft.com/office/drawing/2010/main" val="0"/>
+              </a:ext>
+            </a:extLst>
+          </a:blip>
+          <a:stretch>
+            <a:fillRect/>
+          </a:stretch>
+        </p:blipFill>
+        <p:spPr>
+          <a:xfrm>
+            <a:off x="0" y="216367"/>
+            <a:ext cx="9144000" cy="5550851"/>
+          </a:xfrm>
+          <a:prstGeom prst="rect">
+            <a:avLst/>
+          </a:prstGeom>
+        </p:spPr>
+      </p:pic>
     </p:spTree>
     <p:extLst>
       <p:ext uri="{BB962C8B-B14F-4D97-AF65-F5344CB8AC3E}">
-        <p14:creationId xmlns:p14="http://schemas.microsoft.com/office/powerpoint/2010/main" val="865712349"/>
+        <p14:creationId xmlns:p14="http://schemas.microsoft.com/office/powerpoint/2010/main" val="289610529"/>
       </p:ext>
     </p:extLst>
   </p:cSld>
@@ -4141,12 +4117,14 @@
         </p:nvSpPr>
         <p:spPr/>
         <p:txBody>
-          <a:bodyPr/>
+          <a:bodyPr>
+            <a:normAutofit fontScale="90000"/>
+          </a:bodyPr>
           <a:lstStyle/>
           <a:p>
             <a:r>
               <a:rPr lang="en-US" dirty="0" smtClean="0"/>
-              <a:t>Data Provenance (example)</a:t>
+              <a:t>Provenance of ‘Guitar on a Table’</a:t>
             </a:r>
             <a:endParaRPr lang="en-US" dirty="0"/>
           </a:p>
@@ -4164,17 +4142,66 @@
         </p:nvSpPr>
         <p:spPr/>
         <p:txBody>
-          <a:bodyPr/>
-          <a:lstStyle/>
-          <a:p>
-            <a:endParaRPr lang="en-US"/>
+          <a:bodyPr>
+            <a:normAutofit/>
+          </a:bodyPr>
+          <a:lstStyle/>
+          <a:p>
+            <a:pPr marL="0" indent="0">
+              <a:buNone/>
+            </a:pPr>
+            <a:r>
+              <a:rPr lang="en-US" sz="2000" i="1" dirty="0" smtClean="0"/>
+              <a:t>This painting was </a:t>
+            </a:r>
+            <a:r>
+              <a:rPr lang="en-US" sz="2000" b="1" i="1" dirty="0" smtClean="0"/>
+              <a:t>acquired by </a:t>
+            </a:r>
+            <a:r>
+              <a:rPr lang="en-US" sz="2000" i="1" dirty="0" smtClean="0"/>
+              <a:t>Gertrude Stein (American, 1874-1946, in Paris after 1902) directly from the artist. After Stein died, her collection was </a:t>
+            </a:r>
+            <a:r>
+              <a:rPr lang="en-US" sz="2000" b="1" i="1" dirty="0" smtClean="0"/>
+              <a:t>entrusted t</a:t>
+            </a:r>
+            <a:r>
+              <a:rPr lang="en-US" sz="2000" i="1" dirty="0" smtClean="0"/>
+              <a:t>o her companion, Alice B. Toklas (American, 1877-1967, in Paris after 1907) until her death. Guitar on a Table was</a:t>
+            </a:r>
+            <a:r>
+              <a:rPr lang="en-US" sz="2000" b="1" i="1" dirty="0" smtClean="0"/>
+              <a:t> bought by </a:t>
+            </a:r>
+            <a:r>
+              <a:rPr lang="en-US" sz="2000" i="1" dirty="0" smtClean="0"/>
+              <a:t>Nelson A. Rockefeller in 1968 from Stein's estate. The painting </a:t>
+            </a:r>
+            <a:r>
+              <a:rPr lang="en-US" sz="2000" b="1" i="1" dirty="0" smtClean="0"/>
+              <a:t>was donated to </a:t>
+            </a:r>
+            <a:r>
+              <a:rPr lang="en-US" sz="2000" i="1" dirty="0" smtClean="0"/>
+              <a:t>Dartmouth College by Rockefeller, an alumnus of the college, in 1975. The painting has </a:t>
+            </a:r>
+            <a:r>
+              <a:rPr lang="en-US" sz="2000" b="1" i="1" dirty="0" smtClean="0"/>
+              <a:t>hung a</a:t>
+            </a:r>
+            <a:r>
+              <a:rPr lang="en-US" sz="2000" i="1" dirty="0" smtClean="0"/>
+              <a:t>t the Hood Museum of Art since the building opened to the public, in 1985.</a:t>
+            </a:r>
+            <a:endParaRPr lang="en-US" sz="2000" i="1" dirty="0"/>
           </a:p>
         </p:txBody>
       </p:sp>
     </p:spTree>
     <p:extLst>
       <p:ext uri="{BB962C8B-B14F-4D97-AF65-F5344CB8AC3E}">
-        <p14:creationId xmlns:p14="http://schemas.microsoft.com/office/powerpoint/2010/main" val="2953699087"/>
+        <p14:creationId xmlns:p14="http://schemas.microsoft.com/office/powerpoint/2010/main" val="865712349"/>
       </p:ext>
     </p:extLst>
   </p:cSld>
@@ -4217,8 +4244,8 @@
           <a:lstStyle/>
           <a:p>
             <a:r>
-              <a:rPr lang="en-US" dirty="0" err="1" smtClean="0"/>
-              <a:t>Schema.org</a:t>
+              <a:rPr lang="en-US" dirty="0" smtClean="0"/>
+              <a:t>Data Provenance (example)</a:t>
             </a:r>
             <a:endParaRPr lang="en-US" dirty="0"/>
           </a:p>
@@ -4239,43 +4266,14 @@
           <a:bodyPr/>
           <a:lstStyle/>
           <a:p>
-            <a:pPr marL="0" indent="0">
-              <a:buNone/>
-            </a:pPr>
-            <a:r>
-              <a:rPr lang="en-US" dirty="0" smtClean="0"/>
-              <a:t>A gateway drug to the Semantic Web, RDF, and all things Linked Data. </a:t>
-            </a:r>
-          </a:p>
-          <a:p>
-            <a:pPr marL="0" indent="0">
-              <a:buNone/>
-            </a:pPr>
-            <a:endParaRPr lang="en-US" dirty="0"/>
-          </a:p>
-          <a:p>
-            <a:pPr marL="0" indent="0">
-              <a:buNone/>
-            </a:pPr>
-            <a:r>
-              <a:rPr lang="en-US" dirty="0"/>
-              <a:t>http://</a:t>
-            </a:r>
-            <a:r>
-              <a:rPr lang="en-US" dirty="0" err="1"/>
-              <a:t>schema.org</a:t>
-            </a:r>
-            <a:r>
-              <a:rPr lang="en-US" dirty="0"/>
-              <a:t>/Dataset</a:t>
-            </a:r>
+            <a:endParaRPr lang="en-US"/>
           </a:p>
         </p:txBody>
       </p:sp>
     </p:spTree>
     <p:extLst>
       <p:ext uri="{BB962C8B-B14F-4D97-AF65-F5344CB8AC3E}">
-        <p14:creationId xmlns:p14="http://schemas.microsoft.com/office/powerpoint/2010/main" val="3541378888"/>
+        <p14:creationId xmlns:p14="http://schemas.microsoft.com/office/powerpoint/2010/main" val="2953699087"/>
       </p:ext>
     </p:extLst>
   </p:cSld>
@@ -4317,6 +4315,107 @@
           <a:bodyPr/>
           <a:lstStyle/>
           <a:p>
+            <a:r>
+              <a:rPr lang="en-US" dirty="0" err="1" smtClean="0"/>
+              <a:t>Schema.org</a:t>
+            </a:r>
+            <a:endParaRPr lang="en-US" dirty="0"/>
+          </a:p>
+        </p:txBody>
+      </p:sp>
+      <p:sp>
+        <p:nvSpPr>
+          <p:cNvPr id="3" name="Content Placeholder 2"/>
+          <p:cNvSpPr>
+            <a:spLocks noGrp="1"/>
+          </p:cNvSpPr>
+          <p:nvPr>
+            <p:ph idx="1"/>
+          </p:nvPr>
+        </p:nvSpPr>
+        <p:spPr/>
+        <p:txBody>
+          <a:bodyPr/>
+          <a:lstStyle/>
+          <a:p>
+            <a:pPr marL="0" indent="0">
+              <a:buNone/>
+            </a:pPr>
+            <a:r>
+              <a:rPr lang="en-US" dirty="0" smtClean="0"/>
+              <a:t>A gateway drug to the Semantic Web, RDF, and all things Linked Data. </a:t>
+            </a:r>
+          </a:p>
+          <a:p>
+            <a:pPr marL="0" indent="0">
+              <a:buNone/>
+            </a:pPr>
+            <a:endParaRPr lang="en-US" dirty="0"/>
+          </a:p>
+          <a:p>
+            <a:pPr marL="0" indent="0">
+              <a:buNone/>
+            </a:pPr>
+            <a:r>
+              <a:rPr lang="en-US" dirty="0"/>
+              <a:t>http://</a:t>
+            </a:r>
+            <a:r>
+              <a:rPr lang="en-US" dirty="0" err="1"/>
+              <a:t>schema.org</a:t>
+            </a:r>
+            <a:r>
+              <a:rPr lang="en-US" dirty="0"/>
+              <a:t>/Dataset</a:t>
+            </a:r>
+          </a:p>
+        </p:txBody>
+      </p:sp>
+    </p:spTree>
+    <p:extLst>
+      <p:ext uri="{BB962C8B-B14F-4D97-AF65-F5344CB8AC3E}">
+        <p14:creationId xmlns:p14="http://schemas.microsoft.com/office/powerpoint/2010/main" val="3541378888"/>
+      </p:ext>
+    </p:extLst>
+  </p:cSld>
+  <p:clrMapOvr>
+    <a:masterClrMapping/>
+  </p:clrMapOvr>
+</p:sld>
+</file>
+
+<file path=ppt/slides/slide14.xml><?xml version="1.0" encoding="utf-8"?>
+<p:sld xmlns:a="http://schemas.openxmlformats.org/drawingml/2006/main" xmlns:r="http://schemas.openxmlformats.org/officeDocument/2006/relationships" xmlns:p="http://schemas.openxmlformats.org/presentationml/2006/main">
+  <p:cSld>
+    <p:spTree>
+      <p:nvGrpSpPr>
+        <p:cNvPr id="1" name=""/>
+        <p:cNvGrpSpPr/>
+        <p:nvPr/>
+      </p:nvGrpSpPr>
+      <p:grpSpPr>
+        <a:xfrm>
+          <a:off x="0" y="0"/>
+          <a:ext cx="0" cy="0"/>
+          <a:chOff x="0" y="0"/>
+          <a:chExt cx="0" cy="0"/>
+        </a:xfrm>
+      </p:grpSpPr>
+      <p:sp>
+        <p:nvSpPr>
+          <p:cNvPr id="2" name="Title 1"/>
+          <p:cNvSpPr>
+            <a:spLocks noGrp="1"/>
+          </p:cNvSpPr>
+          <p:nvPr>
+            <p:ph type="title"/>
+          </p:nvPr>
+        </p:nvSpPr>
+        <p:spPr/>
+        <p:txBody>
+          <a:bodyPr/>
+          <a:lstStyle/>
+          <a:p>
             <a:endParaRPr lang="en-US"/>
           </a:p>
         </p:txBody>
@@ -4353,7 +4452,7 @@
 </p:sld>
 </file>
 
-<file path=ppt/slides/slide14.xml><?xml version="1.0" encoding="utf-8"?>
+<file path=ppt/slides/slide15.xml><?xml version="1.0" encoding="utf-8"?>
 <p:sld xmlns:a="http://schemas.openxmlformats.org/drawingml/2006/main" xmlns:r="http://schemas.openxmlformats.org/officeDocument/2006/relationships" xmlns:p="http://schemas.openxmlformats.org/presentationml/2006/main">
   <p:cSld>
     <p:spTree>
@@ -4459,7 +4558,7 @@
           <a:p>
             <a:r>
               <a:rPr lang="en-US" dirty="0" smtClean="0"/>
-              <a:t>The notion of a “record”</a:t>
+              <a:t>[make agenda]</a:t>
             </a:r>
             <a:endParaRPr lang="en-US" dirty="0"/>
           </a:p>
@@ -4480,70 +4579,14 @@
           <a:bodyPr/>
           <a:lstStyle/>
           <a:p>
-            <a:pPr marL="0" indent="0">
-              <a:buNone/>
-            </a:pPr>
-            <a:r>
-              <a:rPr lang="en-US" dirty="0" smtClean="0"/>
-              <a:t>“data or information fixed on some medium which has </a:t>
-            </a:r>
-            <a:r>
-              <a:rPr lang="en-US" i="1" dirty="0" smtClean="0"/>
-              <a:t>content</a:t>
-            </a:r>
-            <a:r>
-              <a:rPr lang="en-US" dirty="0" smtClean="0"/>
-              <a:t>, </a:t>
-            </a:r>
-            <a:r>
-              <a:rPr lang="en-US" i="1" dirty="0" smtClean="0"/>
-              <a:t>context</a:t>
-            </a:r>
-            <a:r>
-              <a:rPr lang="en-US" dirty="0" smtClean="0"/>
-              <a:t>, and </a:t>
-            </a:r>
-            <a:r>
-              <a:rPr lang="en-US" i="1" dirty="0" smtClean="0"/>
-              <a:t>structure</a:t>
-            </a:r>
-            <a:r>
-              <a:rPr lang="en-US" dirty="0" smtClean="0"/>
-              <a:t>" </a:t>
-            </a:r>
-          </a:p>
-          <a:p>
-            <a:pPr marL="0" indent="0">
-              <a:buNone/>
-            </a:pPr>
-            <a:r>
-              <a:rPr lang="en-US" dirty="0"/>
-              <a:t>	</a:t>
-            </a:r>
-            <a:r>
-              <a:rPr lang="en-US" dirty="0" smtClean="0"/>
-              <a:t>				(AAA, 2014).</a:t>
-            </a:r>
-          </a:p>
-          <a:p>
-            <a:pPr marL="0" indent="0">
-              <a:buNone/>
-            </a:pPr>
-            <a:endParaRPr lang="en-US" dirty="0" smtClean="0"/>
-          </a:p>
-          <a:p>
-            <a:r>
-              <a:rPr lang="en-US" dirty="0" smtClean="0"/>
-              <a:t>Data curation treats information objects as a “scholarly record” </a:t>
-            </a:r>
-            <a:endParaRPr lang="en-US" dirty="0"/>
+            <a:endParaRPr lang="en-US"/>
           </a:p>
         </p:txBody>
       </p:sp>
     </p:spTree>
     <p:extLst>
       <p:ext uri="{BB962C8B-B14F-4D97-AF65-F5344CB8AC3E}">
-        <p14:creationId xmlns:p14="http://schemas.microsoft.com/office/powerpoint/2010/main" val="2628918621"/>
+        <p14:creationId xmlns:p14="http://schemas.microsoft.com/office/powerpoint/2010/main" val="3608693400"/>
       </p:ext>
     </p:extLst>
   </p:cSld>
@@ -4586,36 +4629,10 @@
           <a:lstStyle/>
           <a:p>
             <a:r>
-              <a:rPr lang="en-US" dirty="0" smtClean="0">
-                <a:solidFill>
-                  <a:schemeClr val="bg1">
-                    <a:lumMod val="85000"/>
-                  </a:schemeClr>
-                </a:solidFill>
-              </a:rPr>
-              <a:t>Content, </a:t>
-            </a:r>
-            <a:r>
               <a:rPr lang="en-US" dirty="0" smtClean="0"/>
-              <a:t>Context</a:t>
-            </a:r>
-            <a:r>
-              <a:rPr lang="en-US" dirty="0" smtClean="0">
-                <a:solidFill>
-                  <a:schemeClr val="bg1">
-                    <a:lumMod val="85000"/>
-                  </a:schemeClr>
-                </a:solidFill>
-              </a:rPr>
-              <a:t>, and Structure</a:t>
-            </a:r>
-            <a:endParaRPr lang="en-US" dirty="0">
-              <a:solidFill>
-                <a:schemeClr val="bg1">
-                  <a:lumMod val="85000"/>
-                </a:schemeClr>
-              </a:solidFill>
-            </a:endParaRPr>
+              <a:t>The notion of a “record”</a:t>
+            </a:r>
+            <a:endParaRPr lang="en-US" dirty="0"/>
           </a:p>
         </p:txBody>
       </p:sp>
@@ -4631,9 +4648,7 @@
         </p:nvSpPr>
         <p:spPr/>
         <p:txBody>
-          <a:bodyPr>
-            <a:normAutofit fontScale="92500" lnSpcReduction="20000"/>
-          </a:bodyPr>
+          <a:bodyPr/>
           <a:lstStyle/>
           <a:p>
             <a:pPr marL="0" indent="0">
@@ -4641,37 +4656,56 @@
             </a:pPr>
             <a:r>
               <a:rPr lang="en-US" dirty="0" smtClean="0"/>
-              <a:t>Provenance is about the context of a records production, use, and ownership. </a:t>
+              <a:t>“data or information fixed on some medium which has </a:t>
+            </a:r>
+            <a:r>
+              <a:rPr lang="en-US" i="1" dirty="0" smtClean="0"/>
+              <a:t>content</a:t>
+            </a:r>
+            <a:r>
+              <a:rPr lang="en-US" dirty="0" smtClean="0"/>
+              <a:t>, </a:t>
+            </a:r>
+            <a:r>
+              <a:rPr lang="en-US" i="1" dirty="0" smtClean="0"/>
+              <a:t>context</a:t>
+            </a:r>
+            <a:r>
+              <a:rPr lang="en-US" dirty="0" smtClean="0"/>
+              <a:t>, and </a:t>
+            </a:r>
+            <a:r>
+              <a:rPr lang="en-US" i="1" dirty="0" smtClean="0"/>
+              <a:t>structure</a:t>
+            </a:r>
+            <a:r>
+              <a:rPr lang="en-US" dirty="0" smtClean="0"/>
+              <a:t>" </a:t>
             </a:r>
           </a:p>
           <a:p>
             <a:pPr marL="0" indent="0">
               <a:buNone/>
             </a:pPr>
-            <a:endParaRPr lang="en-US" dirty="0"/>
+            <a:r>
+              <a:rPr lang="en-US" dirty="0"/>
+              <a:t>	</a:t>
+            </a:r>
+            <a:r>
+              <a:rPr lang="en-US" dirty="0" smtClean="0"/>
+              <a:t>				(AAA, 2014).</a:t>
+            </a:r>
           </a:p>
           <a:p>
             <a:pPr marL="0" indent="0">
               <a:buNone/>
             </a:pPr>
+            <a:endParaRPr lang="en-US" dirty="0" smtClean="0"/>
+          </a:p>
+          <a:p>
             <a:r>
               <a:rPr lang="en-US" dirty="0" smtClean="0"/>
-              <a:t>In short  “…the significance of archival materials is heavily dependent on the context of their creation, and that the arrangement and description of these materials should be directly related to their original purpose and function.”  </a:t>
-            </a:r>
-          </a:p>
-          <a:p>
-            <a:pPr marL="0" indent="0">
-              <a:buNone/>
-            </a:pPr>
-            <a:endParaRPr lang="en-US" dirty="0"/>
-          </a:p>
-          <a:p>
-            <a:pPr marL="0" indent="0">
-              <a:buNone/>
-            </a:pPr>
-            <a:r>
-              <a:rPr lang="en-US" dirty="0" smtClean="0"/>
-              <a:t>		</a:t>
+              <a:t>Data curation treats information objects as a “scholarly record” </a:t>
             </a:r>
             <a:endParaRPr lang="en-US" dirty="0"/>
           </a:p>
@@ -4680,13 +4714,20 @@
     </p:spTree>
     <p:extLst>
       <p:ext uri="{BB962C8B-B14F-4D97-AF65-F5344CB8AC3E}">
-        <p14:creationId xmlns:p14="http://schemas.microsoft.com/office/powerpoint/2010/main" val="2231054809"/>
+        <p14:creationId xmlns:p14="http://schemas.microsoft.com/office/powerpoint/2010/main" val="2628918621"/>
       </p:ext>
     </p:extLst>
   </p:cSld>
   <p:clrMapOvr>
     <a:masterClrMapping/>
   </p:clrMapOvr>
+  <p:timing>
+    <p:tnLst>
+      <p:par>
+        <p:cTn xmlns:p14="http://schemas.microsoft.com/office/powerpoint/2010/main" id="1" dur="indefinite" restart="never" nodeType="tmRoot"/>
+      </p:par>
+    </p:tnLst>
+  </p:timing>
 </p:sld>
 </file>
 
@@ -4723,66 +4764,93 @@
           <a:lstStyle/>
           <a:p>
             <a:r>
+              <a:rPr lang="en-US" dirty="0" smtClean="0">
+                <a:solidFill>
+                  <a:schemeClr val="bg1">
+                    <a:lumMod val="85000"/>
+                  </a:schemeClr>
+                </a:solidFill>
+              </a:rPr>
+              <a:t>Content, </a:t>
+            </a:r>
+            <a:r>
               <a:rPr lang="en-US" dirty="0" smtClean="0"/>
-              <a:t>Provenance in Data Curation</a:t>
-            </a:r>
+              <a:t>Context</a:t>
+            </a:r>
+            <a:r>
+              <a:rPr lang="en-US" dirty="0" smtClean="0">
+                <a:solidFill>
+                  <a:schemeClr val="bg1">
+                    <a:lumMod val="85000"/>
+                  </a:schemeClr>
+                </a:solidFill>
+              </a:rPr>
+              <a:t>, and Structure</a:t>
+            </a:r>
+            <a:endParaRPr lang="en-US" dirty="0">
+              <a:solidFill>
+                <a:schemeClr val="bg1">
+                  <a:lumMod val="85000"/>
+                </a:schemeClr>
+              </a:solidFill>
+            </a:endParaRPr>
+          </a:p>
+        </p:txBody>
+      </p:sp>
+      <p:sp>
+        <p:nvSpPr>
+          <p:cNvPr id="3" name="Content Placeholder 2"/>
+          <p:cNvSpPr>
+            <a:spLocks noGrp="1"/>
+          </p:cNvSpPr>
+          <p:nvPr>
+            <p:ph idx="1"/>
+          </p:nvPr>
+        </p:nvSpPr>
+        <p:spPr/>
+        <p:txBody>
+          <a:bodyPr>
+            <a:normAutofit fontScale="92500" lnSpcReduction="20000"/>
+          </a:bodyPr>
+          <a:lstStyle/>
+          <a:p>
+            <a:pPr marL="0" indent="0">
+              <a:buNone/>
+            </a:pPr>
+            <a:r>
+              <a:rPr lang="en-US" dirty="0" smtClean="0"/>
+              <a:t>Provenance is about the context of a records production, use, and ownership. </a:t>
+            </a:r>
+          </a:p>
+          <a:p>
+            <a:pPr marL="0" indent="0">
+              <a:buNone/>
+            </a:pPr>
             <a:endParaRPr lang="en-US" dirty="0"/>
           </a:p>
-        </p:txBody>
-      </p:sp>
-      <p:sp>
-        <p:nvSpPr>
-          <p:cNvPr id="3" name="Content Placeholder 2"/>
-          <p:cNvSpPr>
-            <a:spLocks noGrp="1"/>
-          </p:cNvSpPr>
-          <p:nvPr>
-            <p:ph idx="1"/>
-          </p:nvPr>
-        </p:nvSpPr>
-        <p:spPr/>
-        <p:txBody>
-          <a:bodyPr/>
-          <a:lstStyle/>
           <a:p>
             <a:pPr marL="0" indent="0">
               <a:buNone/>
             </a:pPr>
             <a:r>
               <a:rPr lang="en-US" dirty="0" smtClean="0"/>
-              <a:t>Data provenance -  a type of metadata that “pertains to the derivation history of a data product starting from its original sources.”</a:t>
+              <a:t>In short  “…the significance of archival materials is heavily dependent on the context of their creation, and that the arrangement and description of these materials should be directly related to their original purpose and function.”  </a:t>
             </a:r>
           </a:p>
           <a:p>
             <a:pPr marL="0" indent="0">
               <a:buNone/>
             </a:pPr>
+            <a:endParaRPr lang="en-US" dirty="0"/>
+          </a:p>
+          <a:p>
+            <a:pPr marL="0" indent="0">
+              <a:buNone/>
+            </a:pPr>
             <a:r>
               <a:rPr lang="en-US" dirty="0" smtClean="0"/>
-              <a:t>		(</a:t>
-            </a:r>
-            <a:r>
-              <a:rPr lang="en-US" dirty="0" err="1" smtClean="0"/>
-              <a:t>Simmhan</a:t>
-            </a:r>
-            <a:r>
-              <a:rPr lang="en-US" dirty="0" smtClean="0"/>
-              <a:t> </a:t>
-            </a:r>
-            <a:r>
-              <a:rPr lang="en-US" dirty="0" err="1" smtClean="0"/>
-              <a:t>Plale</a:t>
-            </a:r>
-            <a:r>
-              <a:rPr lang="en-US" dirty="0" smtClean="0"/>
-              <a:t> and Gannon, 2005)</a:t>
-            </a:r>
-            <a:endParaRPr lang="en-US" dirty="0"/>
-          </a:p>
-          <a:p>
-            <a:pPr marL="0" indent="0">
-              <a:buNone/>
-            </a:pPr>
+              <a:t>		</a:t>
+            </a:r>
             <a:endParaRPr lang="en-US" dirty="0"/>
           </a:p>
         </p:txBody>
@@ -4790,13 +4858,20 @@
     </p:spTree>
     <p:extLst>
       <p:ext uri="{BB962C8B-B14F-4D97-AF65-F5344CB8AC3E}">
-        <p14:creationId xmlns:p14="http://schemas.microsoft.com/office/powerpoint/2010/main" val="1525482423"/>
+        <p14:creationId xmlns:p14="http://schemas.microsoft.com/office/powerpoint/2010/main" val="2231054809"/>
       </p:ext>
     </p:extLst>
   </p:cSld>
   <p:clrMapOvr>
     <a:masterClrMapping/>
   </p:clrMapOvr>
+  <p:timing>
+    <p:tnLst>
+      <p:par>
+        <p:cTn xmlns:p14="http://schemas.microsoft.com/office/powerpoint/2010/main" id="1" dur="indefinite" restart="never" nodeType="tmRoot"/>
+      </p:par>
+    </p:tnLst>
+  </p:timing>
 </p:sld>
 </file>
 
@@ -4834,6 +4909,116 @@
           <a:p>
             <a:r>
               <a:rPr lang="en-US" dirty="0" smtClean="0"/>
+              <a:t>Provenance in Data Curation</a:t>
+            </a:r>
+            <a:endParaRPr lang="en-US" dirty="0"/>
+          </a:p>
+        </p:txBody>
+      </p:sp>
+      <p:sp>
+        <p:nvSpPr>
+          <p:cNvPr id="3" name="Content Placeholder 2"/>
+          <p:cNvSpPr>
+            <a:spLocks noGrp="1"/>
+          </p:cNvSpPr>
+          <p:nvPr>
+            <p:ph idx="1"/>
+          </p:nvPr>
+        </p:nvSpPr>
+        <p:spPr/>
+        <p:txBody>
+          <a:bodyPr/>
+          <a:lstStyle/>
+          <a:p>
+            <a:pPr marL="0" indent="0">
+              <a:buNone/>
+            </a:pPr>
+            <a:r>
+              <a:rPr lang="en-US" dirty="0" smtClean="0"/>
+              <a:t>Data provenance -  a type of metadata that “pertains to the derivation history of a data product starting from its original sources.”</a:t>
+            </a:r>
+          </a:p>
+          <a:p>
+            <a:pPr marL="0" indent="0">
+              <a:buNone/>
+            </a:pPr>
+            <a:r>
+              <a:rPr lang="en-US" dirty="0" smtClean="0"/>
+              <a:t>		(</a:t>
+            </a:r>
+            <a:r>
+              <a:rPr lang="en-US" dirty="0" err="1" smtClean="0"/>
+              <a:t>Simmhan</a:t>
+            </a:r>
+            <a:r>
+              <a:rPr lang="en-US" dirty="0" smtClean="0"/>
+              <a:t> </a:t>
+            </a:r>
+            <a:r>
+              <a:rPr lang="en-US" dirty="0" err="1" smtClean="0"/>
+              <a:t>Plale</a:t>
+            </a:r>
+            <a:r>
+              <a:rPr lang="en-US" dirty="0" smtClean="0"/>
+              <a:t> and Gannon, 2005)</a:t>
+            </a:r>
+            <a:endParaRPr lang="en-US" dirty="0"/>
+          </a:p>
+          <a:p>
+            <a:pPr marL="0" indent="0">
+              <a:buNone/>
+            </a:pPr>
+            <a:endParaRPr lang="en-US" dirty="0"/>
+          </a:p>
+        </p:txBody>
+      </p:sp>
+    </p:spTree>
+    <p:extLst>
+      <p:ext uri="{BB962C8B-B14F-4D97-AF65-F5344CB8AC3E}">
+        <p14:creationId xmlns:p14="http://schemas.microsoft.com/office/powerpoint/2010/main" val="1525482423"/>
+      </p:ext>
+    </p:extLst>
+  </p:cSld>
+  <p:clrMapOvr>
+    <a:masterClrMapping/>
+  </p:clrMapOvr>
+</p:sld>
+</file>
+
+<file path=ppt/slides/slide6.xml><?xml version="1.0" encoding="utf-8"?>
+<p:sld xmlns:a="http://schemas.openxmlformats.org/drawingml/2006/main" xmlns:r="http://schemas.openxmlformats.org/officeDocument/2006/relationships" xmlns:p="http://schemas.openxmlformats.org/presentationml/2006/main">
+  <p:cSld>
+    <p:spTree>
+      <p:nvGrpSpPr>
+        <p:cNvPr id="1" name=""/>
+        <p:cNvGrpSpPr/>
+        <p:nvPr/>
+      </p:nvGrpSpPr>
+      <p:grpSpPr>
+        <a:xfrm>
+          <a:off x="0" y="0"/>
+          <a:ext cx="0" cy="0"/>
+          <a:chOff x="0" y="0"/>
+          <a:chExt cx="0" cy="0"/>
+        </a:xfrm>
+      </p:grpSpPr>
+      <p:sp>
+        <p:nvSpPr>
+          <p:cNvPr id="2" name="Title 1"/>
+          <p:cNvSpPr>
+            <a:spLocks noGrp="1"/>
+          </p:cNvSpPr>
+          <p:nvPr>
+            <p:ph type="title"/>
+          </p:nvPr>
+        </p:nvSpPr>
+        <p:spPr/>
+        <p:txBody>
+          <a:bodyPr/>
+          <a:lstStyle/>
+          <a:p>
+            <a:r>
+              <a:rPr lang="en-US" dirty="0" smtClean="0"/>
               <a:t>Data Provenance</a:t>
             </a:r>
             <a:endParaRPr lang="en-US" dirty="0"/>
@@ -4920,7 +5105,7 @@
 </p:sld>
 </file>
 
-<file path=ppt/slides/slide6.xml><?xml version="1.0" encoding="utf-8"?>
+<file path=ppt/slides/slide7.xml><?xml version="1.0" encoding="utf-8"?>
 <p:sld xmlns:a="http://schemas.openxmlformats.org/drawingml/2006/main" xmlns:r="http://schemas.openxmlformats.org/officeDocument/2006/relationships" xmlns:p="http://schemas.openxmlformats.org/presentationml/2006/main">
   <p:cSld>
     <p:spTree>
@@ -5001,7 +5186,7 @@
 </p:sld>
 </file>
 
-<file path=ppt/slides/slide7.xml><?xml version="1.0" encoding="utf-8"?>
+<file path=ppt/slides/slide8.xml><?xml version="1.0" encoding="utf-8"?>
 <p:sld xmlns:a="http://schemas.openxmlformats.org/drawingml/2006/main" xmlns:r="http://schemas.openxmlformats.org/officeDocument/2006/relationships" xmlns:p="http://schemas.openxmlformats.org/presentationml/2006/main">
   <p:cSld>
     <p:spTree>
@@ -5055,222 +5240,6 @@
 </p:sld>
 </file>
 
-<file path=ppt/slides/slide8.xml><?xml version="1.0" encoding="utf-8"?>
-<p:sld xmlns:a="http://schemas.openxmlformats.org/drawingml/2006/main" xmlns:r="http://schemas.openxmlformats.org/officeDocument/2006/relationships" xmlns:p="http://schemas.openxmlformats.org/presentationml/2006/main">
-  <p:cSld>
-    <p:spTree>
-      <p:nvGrpSpPr>
-        <p:cNvPr id="1" name=""/>
-        <p:cNvGrpSpPr/>
-        <p:nvPr/>
-      </p:nvGrpSpPr>
-      <p:grpSpPr>
-        <a:xfrm>
-          <a:off x="0" y="0"/>
-          <a:ext cx="0" cy="0"/>
-          <a:chOff x="0" y="0"/>
-          <a:chExt cx="0" cy="0"/>
-        </a:xfrm>
-      </p:grpSpPr>
-      <p:sp>
-        <p:nvSpPr>
-          <p:cNvPr id="2" name="Title 1"/>
-          <p:cNvSpPr>
-            <a:spLocks noGrp="1"/>
-          </p:cNvSpPr>
-          <p:nvPr>
-            <p:ph type="title"/>
-          </p:nvPr>
-        </p:nvSpPr>
-        <p:spPr/>
-        <p:txBody>
-          <a:bodyPr/>
-          <a:lstStyle/>
-          <a:p>
-            <a:r>
-              <a:rPr lang="en-US" dirty="0" smtClean="0"/>
-              <a:t>Descriptive Metadata</a:t>
-            </a:r>
-            <a:endParaRPr lang="en-US" dirty="0"/>
-          </a:p>
-        </p:txBody>
-      </p:sp>
-      <p:sp>
-        <p:nvSpPr>
-          <p:cNvPr id="3" name="Content Placeholder 2"/>
-          <p:cNvSpPr>
-            <a:spLocks noGrp="1"/>
-          </p:cNvSpPr>
-          <p:nvPr>
-            <p:ph idx="1"/>
-          </p:nvPr>
-        </p:nvSpPr>
-        <p:spPr>
-          <a:xfrm>
-            <a:off x="791882" y="1688353"/>
-            <a:ext cx="7894917" cy="3839882"/>
-          </a:xfrm>
-        </p:spPr>
-        <p:txBody>
-          <a:bodyPr>
-            <a:normAutofit lnSpcReduction="10000"/>
-          </a:bodyPr>
-          <a:lstStyle/>
-          <a:p>
-            <a:pPr marL="0" indent="0">
-              <a:buNone/>
-            </a:pPr>
-            <a:r>
-              <a:rPr lang="en-US" sz="2000" dirty="0" smtClean="0">
-                <a:latin typeface="American Typewriter"/>
-                <a:cs typeface="American Typewriter"/>
-              </a:rPr>
-              <a:t>&lt;creator&gt; Pablo Picasso, Spanish, 1881-1973, in Paris after 1904</a:t>
-            </a:r>
-            <a:br>
-              <a:rPr lang="en-US" sz="2000" dirty="0" smtClean="0">
-                <a:latin typeface="American Typewriter"/>
-                <a:cs typeface="American Typewriter"/>
-              </a:rPr>
-            </a:br>
-            <a:endParaRPr lang="en-US" sz="2000" dirty="0" smtClean="0">
-              <a:latin typeface="American Typewriter"/>
-              <a:cs typeface="American Typewriter"/>
-            </a:endParaRPr>
-          </a:p>
-          <a:p>
-            <a:pPr marL="0" indent="0">
-              <a:buNone/>
-            </a:pPr>
-            <a:r>
-              <a:rPr lang="en-US" sz="2000" dirty="0" smtClean="0">
-                <a:latin typeface="American Typewriter"/>
-                <a:cs typeface="American Typewriter"/>
-              </a:rPr>
-              <a:t>&lt;title&gt; </a:t>
-            </a:r>
-            <a:r>
-              <a:rPr lang="en-US" sz="2000" i="1" dirty="0" smtClean="0">
-                <a:latin typeface="American Typewriter"/>
-                <a:cs typeface="American Typewriter"/>
-              </a:rPr>
-              <a:t>Guitar on a Table</a:t>
-            </a:r>
-            <a:br>
-              <a:rPr lang="en-US" sz="2000" i="1" dirty="0" smtClean="0">
-                <a:latin typeface="American Typewriter"/>
-                <a:cs typeface="American Typewriter"/>
-              </a:rPr>
-            </a:br>
-            <a:endParaRPr lang="en-US" sz="2000" i="1" dirty="0" smtClean="0">
-              <a:latin typeface="American Typewriter"/>
-              <a:cs typeface="American Typewriter"/>
-            </a:endParaRPr>
-          </a:p>
-          <a:p>
-            <a:pPr marL="0" indent="0">
-              <a:buNone/>
-            </a:pPr>
-            <a:r>
-              <a:rPr lang="en-US" sz="2000" i="1" dirty="0" smtClean="0">
-                <a:latin typeface="American Typewriter"/>
-                <a:cs typeface="American Typewriter"/>
-              </a:rPr>
-              <a:t>&lt;date&gt; </a:t>
-            </a:r>
-            <a:r>
-              <a:rPr lang="en-US" sz="2000" dirty="0" smtClean="0">
-                <a:latin typeface="American Typewriter"/>
-                <a:cs typeface="American Typewriter"/>
-              </a:rPr>
-              <a:t>1912</a:t>
-            </a:r>
-            <a:br>
-              <a:rPr lang="en-US" sz="2000" dirty="0" smtClean="0">
-                <a:latin typeface="American Typewriter"/>
-                <a:cs typeface="American Typewriter"/>
-              </a:rPr>
-            </a:br>
-            <a:endParaRPr lang="en-US" sz="2000" dirty="0" smtClean="0">
-              <a:latin typeface="American Typewriter"/>
-              <a:cs typeface="American Typewriter"/>
-            </a:endParaRPr>
-          </a:p>
-          <a:p>
-            <a:pPr marL="0" indent="0">
-              <a:buNone/>
-            </a:pPr>
-            <a:r>
-              <a:rPr lang="en-US" sz="2000" dirty="0" smtClean="0">
-                <a:latin typeface="American Typewriter"/>
-                <a:cs typeface="American Typewriter"/>
-              </a:rPr>
-              <a:t>&lt;medium&gt;Oil, sand, and charcoal on canvas</a:t>
-            </a:r>
-            <a:br>
-              <a:rPr lang="en-US" sz="2000" dirty="0" smtClean="0">
-                <a:latin typeface="American Typewriter"/>
-                <a:cs typeface="American Typewriter"/>
-              </a:rPr>
-            </a:br>
-            <a:endParaRPr lang="en-US" sz="2000" dirty="0" smtClean="0">
-              <a:latin typeface="American Typewriter"/>
-              <a:cs typeface="American Typewriter"/>
-            </a:endParaRPr>
-          </a:p>
-          <a:p>
-            <a:pPr marL="0" indent="0">
-              <a:buNone/>
-            </a:pPr>
-            <a:r>
-              <a:rPr lang="en-US" sz="2000" dirty="0" smtClean="0">
-                <a:latin typeface="American Typewriter"/>
-                <a:cs typeface="American Typewriter"/>
-              </a:rPr>
-              <a:t>&lt;size&gt; 20 1/8 x 24 1/4 in (51.1 x 61.6 cm)</a:t>
-            </a:r>
-            <a:br>
-              <a:rPr lang="en-US" sz="2000" dirty="0" smtClean="0">
-                <a:latin typeface="American Typewriter"/>
-                <a:cs typeface="American Typewriter"/>
-              </a:rPr>
-            </a:br>
-            <a:endParaRPr lang="en-US" sz="2000" dirty="0" smtClean="0">
-              <a:latin typeface="American Typewriter"/>
-              <a:cs typeface="American Typewriter"/>
-            </a:endParaRPr>
-          </a:p>
-          <a:p>
-            <a:pPr marL="0" indent="0">
-              <a:buNone/>
-            </a:pPr>
-            <a:r>
-              <a:rPr lang="en-US" sz="2000" dirty="0" smtClean="0">
-                <a:latin typeface="American Typewriter"/>
-                <a:cs typeface="American Typewriter"/>
-              </a:rPr>
-              <a:t>&lt;origin&gt; Gift of Nelson A. Rockefeller, Class of 1930; P.975.79</a:t>
-            </a:r>
-            <a:endParaRPr lang="en-US" sz="2000" dirty="0">
-              <a:latin typeface="American Typewriter"/>
-              <a:cs typeface="American Typewriter"/>
-            </a:endParaRPr>
-          </a:p>
-        </p:txBody>
-      </p:sp>
-    </p:spTree>
-    <p:extLst>
-      <p:ext uri="{BB962C8B-B14F-4D97-AF65-F5344CB8AC3E}">
-        <p14:creationId xmlns:p14="http://schemas.microsoft.com/office/powerpoint/2010/main" val="2805563517"/>
-      </p:ext>
-    </p:extLst>
-  </p:cSld>
-  <p:clrMapOvr>
-    <a:masterClrMapping/>
-  </p:clrMapOvr>
-</p:sld>
-</file>
-
 <file path=ppt/slides/slide9.xml><?xml version="1.0" encoding="utf-8"?>
 <p:sld xmlns:a="http://schemas.openxmlformats.org/drawingml/2006/main" xmlns:r="http://schemas.openxmlformats.org/officeDocument/2006/relationships" xmlns:p="http://schemas.openxmlformats.org/presentationml/2006/main">
   <p:cSld>
@@ -5303,7 +5272,11 @@
           <a:bodyPr/>
           <a:lstStyle/>
           <a:p>
-            <a:endParaRPr lang="en-US"/>
+            <a:r>
+              <a:rPr lang="en-US" dirty="0" smtClean="0"/>
+              <a:t>Descriptive Metadata</a:t>
+            </a:r>
+            <a:endParaRPr lang="en-US" dirty="0"/>
           </a:p>
         </p:txBody>
       </p:sp>
@@ -5317,49 +5290,163 @@
             <p:ph idx="1"/>
           </p:nvPr>
         </p:nvSpPr>
-        <p:spPr/>
-        <p:txBody>
-          <a:bodyPr/>
-          <a:lstStyle/>
-          <a:p>
-            <a:endParaRPr lang="en-US"/>
-          </a:p>
-        </p:txBody>
-      </p:sp>
-      <p:pic>
-        <p:nvPicPr>
-          <p:cNvPr id="4" name="Picture 3" descr="Screen Shot 2014-12-24 at 1.55.42 PM.png"/>
-          <p:cNvPicPr>
-            <a:picLocks noChangeAspect="1"/>
-          </p:cNvPicPr>
-          <p:nvPr/>
-        </p:nvPicPr>
-        <p:blipFill>
-          <a:blip r:embed="rId3">
-            <a:extLst>
-              <a:ext uri="{28A0092B-C50C-407E-A947-70E740481C1C}">
-                <a14:useLocalDpi xmlns:a14="http://schemas.microsoft.com/office/drawing/2010/main" val="0"/>
-              </a:ext>
-            </a:extLst>
-          </a:blip>
-          <a:stretch>
-            <a:fillRect/>
-          </a:stretch>
-        </p:blipFill>
         <p:spPr>
           <a:xfrm>
-            <a:off x="0" y="216367"/>
-            <a:ext cx="9144000" cy="5550851"/>
+            <a:off x="791882" y="1688353"/>
+            <a:ext cx="7894917" cy="3839882"/>
           </a:xfrm>
-          <a:prstGeom prst="rect">
-            <a:avLst/>
-          </a:prstGeom>
         </p:spPr>
-      </p:pic>
+        <p:txBody>
+          <a:bodyPr>
+            <a:normAutofit lnSpcReduction="10000"/>
+          </a:bodyPr>
+          <a:lstStyle/>
+          <a:p>
+            <a:pPr marL="0" indent="0">
+              <a:buNone/>
+            </a:pPr>
+            <a:r>
+              <a:rPr lang="en-US" sz="2000" dirty="0" smtClean="0">
+                <a:latin typeface="American Typewriter"/>
+                <a:cs typeface="American Typewriter"/>
+              </a:rPr>
+              <a:t>&lt;creator&gt; Pablo Picasso, Spanish, 1881-1973, in Paris after 1904</a:t>
+            </a:r>
+            <a:br>
+              <a:rPr lang="en-US" sz="2000" dirty="0" smtClean="0">
+                <a:latin typeface="American Typewriter"/>
+                <a:cs typeface="American Typewriter"/>
+              </a:rPr>
+            </a:br>
+            <a:endParaRPr lang="en-US" sz="2000" dirty="0" smtClean="0">
+              <a:latin typeface="American Typewriter"/>
+              <a:cs typeface="American Typewriter"/>
+            </a:endParaRPr>
+          </a:p>
+          <a:p>
+            <a:pPr marL="0" indent="0">
+              <a:buNone/>
+            </a:pPr>
+            <a:r>
+              <a:rPr lang="en-US" sz="2000" dirty="0" smtClean="0">
+                <a:latin typeface="American Typewriter"/>
+                <a:cs typeface="American Typewriter"/>
+              </a:rPr>
+              <a:t>&lt;title&gt; </a:t>
+            </a:r>
+            <a:r>
+              <a:rPr lang="en-US" sz="2000" i="1" dirty="0" smtClean="0">
+                <a:latin typeface="American Typewriter"/>
+                <a:cs typeface="American Typewriter"/>
+              </a:rPr>
+              <a:t>Guitar on a Table</a:t>
+            </a:r>
+            <a:br>
+              <a:rPr lang="en-US" sz="2000" i="1" dirty="0" smtClean="0">
+                <a:latin typeface="American Typewriter"/>
+                <a:cs typeface="American Typewriter"/>
+              </a:rPr>
+            </a:br>
+            <a:endParaRPr lang="en-US" sz="2000" i="1" dirty="0" smtClean="0">
+              <a:latin typeface="American Typewriter"/>
+              <a:cs typeface="American Typewriter"/>
+            </a:endParaRPr>
+          </a:p>
+          <a:p>
+            <a:pPr marL="0" indent="0">
+              <a:buNone/>
+            </a:pPr>
+            <a:r>
+              <a:rPr lang="en-US" sz="2000" i="1" dirty="0" smtClean="0">
+                <a:latin typeface="American Typewriter"/>
+                <a:cs typeface="American Typewriter"/>
+              </a:rPr>
+              <a:t>&lt;date&gt; </a:t>
+            </a:r>
+            <a:r>
+              <a:rPr lang="en-US" sz="2000" dirty="0" smtClean="0">
+                <a:latin typeface="American Typewriter"/>
+                <a:cs typeface="American Typewriter"/>
+              </a:rPr>
+              <a:t>1912</a:t>
+            </a:r>
+            <a:br>
+              <a:rPr lang="en-US" sz="2000" dirty="0" smtClean="0">
+                <a:latin typeface="American Typewriter"/>
+                <a:cs typeface="American Typewriter"/>
+              </a:rPr>
+            </a:br>
+            <a:endParaRPr lang="en-US" sz="2000" dirty="0" smtClean="0">
+              <a:latin typeface="American Typewriter"/>
+              <a:cs typeface="American Typewriter"/>
+            </a:endParaRPr>
+          </a:p>
+          <a:p>
+            <a:pPr marL="0" indent="0">
+              <a:buNone/>
+            </a:pPr>
+            <a:r>
+              <a:rPr lang="en-US" sz="2000" dirty="0" smtClean="0">
+                <a:latin typeface="American Typewriter"/>
+                <a:cs typeface="American Typewriter"/>
+              </a:rPr>
+              <a:t>&lt;medium&gt;Oil, sand, and charcoal on canvas</a:t>
+            </a:r>
+            <a:br>
+              <a:rPr lang="en-US" sz="2000" dirty="0" smtClean="0">
+                <a:latin typeface="American Typewriter"/>
+                <a:cs typeface="American Typewriter"/>
+              </a:rPr>
+            </a:br>
+            <a:endParaRPr lang="en-US" sz="2000" dirty="0" smtClean="0">
+              <a:latin typeface="American Typewriter"/>
+              <a:cs typeface="American Typewriter"/>
+            </a:endParaRPr>
+          </a:p>
+          <a:p>
+            <a:pPr marL="0" indent="0">
+              <a:buNone/>
+            </a:pPr>
+            <a:r>
+              <a:rPr lang="en-US" sz="2000" dirty="0" smtClean="0">
+                <a:latin typeface="American Typewriter"/>
+                <a:cs typeface="American Typewriter"/>
+              </a:rPr>
+              <a:t>&lt;size&gt; 20 1/8 x 24 1/4 in (51.1 x 61.6 cm)</a:t>
+            </a:r>
+            <a:br>
+              <a:rPr lang="en-US" sz="2000" dirty="0" smtClean="0">
+                <a:latin typeface="American Typewriter"/>
+                <a:cs typeface="American Typewriter"/>
+              </a:rPr>
+            </a:br>
+            <a:endParaRPr lang="en-US" sz="2000" dirty="0" smtClean="0">
+              <a:latin typeface="American Typewriter"/>
+              <a:cs typeface="American Typewriter"/>
+            </a:endParaRPr>
+          </a:p>
+          <a:p>
+            <a:pPr marL="0" indent="0">
+              <a:buNone/>
+            </a:pPr>
+            <a:r>
+              <a:rPr lang="en-US" sz="2000" dirty="0" smtClean="0">
+                <a:latin typeface="American Typewriter"/>
+                <a:cs typeface="American Typewriter"/>
+              </a:rPr>
+              <a:t>&lt;origin&gt; Gift of Nelson A. Rockefeller, Class of 1930; P.975.79</a:t>
+            </a:r>
+            <a:endParaRPr lang="en-US" sz="2000" dirty="0">
+              <a:latin typeface="American Typewriter"/>
+              <a:cs typeface="American Typewriter"/>
+            </a:endParaRPr>
+          </a:p>
+        </p:txBody>
+      </p:sp>
     </p:spTree>
     <p:extLst>
       <p:ext uri="{BB962C8B-B14F-4D97-AF65-F5344CB8AC3E}">
-        <p14:creationId xmlns:p14="http://schemas.microsoft.com/office/powerpoint/2010/main" val="289610529"/>
+        <p14:creationId xmlns:p14="http://schemas.microsoft.com/office/powerpoint/2010/main" val="2805563517"/>
       </p:ext>
     </p:extLst>
   </p:cSld>

--- a/Day_1/Lectures/Day_1_Lecture_Arch.pptx
+++ b/Day_1/Lectures/Day_1_Lecture_Arch.pptx
@@ -5,24 +5,25 @@
     <p:sldMasterId id="2147483648" r:id="rId1"/>
   </p:sldMasterIdLst>
   <p:notesMasterIdLst>
-    <p:notesMasterId r:id="rId17"/>
+    <p:notesMasterId r:id="rId18"/>
   </p:notesMasterIdLst>
   <p:sldIdLst>
     <p:sldId id="256" r:id="rId2"/>
     <p:sldId id="270" r:id="rId3"/>
     <p:sldId id="257" r:id="rId4"/>
-    <p:sldId id="258" r:id="rId5"/>
-    <p:sldId id="259" r:id="rId6"/>
-    <p:sldId id="268" r:id="rId7"/>
-    <p:sldId id="267" r:id="rId8"/>
-    <p:sldId id="261" r:id="rId9"/>
-    <p:sldId id="263" r:id="rId10"/>
-    <p:sldId id="269" r:id="rId11"/>
-    <p:sldId id="262" r:id="rId12"/>
-    <p:sldId id="266" r:id="rId13"/>
-    <p:sldId id="264" r:id="rId14"/>
-    <p:sldId id="265" r:id="rId15"/>
-    <p:sldId id="260" r:id="rId16"/>
+    <p:sldId id="271" r:id="rId5"/>
+    <p:sldId id="272" r:id="rId6"/>
+    <p:sldId id="258" r:id="rId7"/>
+    <p:sldId id="259" r:id="rId8"/>
+    <p:sldId id="268" r:id="rId9"/>
+    <p:sldId id="267" r:id="rId10"/>
+    <p:sldId id="274" r:id="rId11"/>
+    <p:sldId id="261" r:id="rId12"/>
+    <p:sldId id="262" r:id="rId13"/>
+    <p:sldId id="263" r:id="rId14"/>
+    <p:sldId id="269" r:id="rId15"/>
+    <p:sldId id="266" r:id="rId16"/>
+    <p:sldId id="275" r:id="rId17"/>
   </p:sldIdLst>
   <p:sldSz cx="9144000" cy="6858000" type="screen4x3"/>
   <p:notesSz cx="6858000" cy="9144000"/>
@@ -206,7 +207,7 @@
           <a:p>
             <a:fld id="{9A0E6E77-3283-344D-9AC2-FD5DD182305F}" type="datetimeFigureOut">
               <a:rPr lang="en-US" smtClean="0"/>
-              <a:t>12/29/14</a:t>
+              <a:t>1/18/15</a:t>
             </a:fld>
             <a:endParaRPr lang="en-US"/>
           </a:p>
@@ -520,7 +521,20 @@
           <a:p>
             <a:r>
               <a:rPr lang="en-US" dirty="0" smtClean="0"/>
-              <a:t>We have the same </a:t>
+              <a:t>Critica</a:t>
+            </a:r>
+            <a:r>
+              <a:rPr lang="en-US" baseline="0" dirty="0" smtClean="0"/>
+              <a:t>l to archives and records management is the notion of a record – the unit of analysis which is preserved for future use. </a:t>
+            </a:r>
+          </a:p>
+          <a:p>
+            <a:endParaRPr lang="en-US" baseline="0" dirty="0" smtClean="0"/>
+          </a:p>
+          <a:p>
+            <a:r>
+              <a:rPr lang="en-US" baseline="0" dirty="0" smtClean="0"/>
+              <a:t>This idea is – similarly – important to data curation in that we want to focus on a scholarly record… often for the benefit of understanding where </a:t>
             </a:r>
             <a:endParaRPr lang="en-US" dirty="0"/>
           </a:p>
@@ -543,7 +557,7 @@
           <a:p>
             <a:fld id="{036A4C59-9997-D64D-B418-4F4AB05D75FD}" type="slidenum">
               <a:rPr lang="en-US" smtClean="0"/>
-              <a:t>5</a:t>
+              <a:t>3</a:t>
             </a:fld>
             <a:endParaRPr lang="en-US"/>
           </a:p>
@@ -552,7 +566,7 @@
     </p:spTree>
     <p:extLst>
       <p:ext uri="{BB962C8B-B14F-4D97-AF65-F5344CB8AC3E}">
-        <p14:creationId xmlns:p14="http://schemas.microsoft.com/office/powerpoint/2010/main" val="2093713186"/>
+        <p14:creationId xmlns:p14="http://schemas.microsoft.com/office/powerpoint/2010/main" val="3433463145"/>
       </p:ext>
     </p:extLst>
   </p:cSld>
@@ -606,6 +620,40 @@
           <a:bodyPr/>
           <a:lstStyle/>
           <a:p>
+            <a:r>
+              <a:rPr lang="en-US" dirty="0" smtClean="0"/>
+              <a:t>Records are stored in boxes, described through finding aides,</a:t>
+            </a:r>
+            <a:r>
+              <a:rPr lang="en-US" baseline="0" dirty="0" smtClean="0"/>
+              <a:t> and made available to scholars through an </a:t>
+            </a:r>
+            <a:r>
+              <a:rPr lang="en-US" baseline="0" dirty="0" err="1" smtClean="0"/>
+              <a:t>appontment</a:t>
+            </a:r>
+            <a:r>
+              <a:rPr lang="en-US" baseline="0" dirty="0" smtClean="0"/>
+              <a:t> </a:t>
+            </a:r>
+          </a:p>
+          <a:p>
+            <a:endParaRPr lang="en-US" baseline="0" dirty="0" smtClean="0"/>
+          </a:p>
+          <a:p>
+            <a:r>
+              <a:rPr lang="en-US" baseline="0" dirty="0" smtClean="0"/>
+              <a:t>In digital context of course we store records in a database, we describe them with metadata and we make the available to scholars via query languages</a:t>
+            </a:r>
+          </a:p>
+          <a:p>
+            <a:endParaRPr lang="en-US" baseline="0" dirty="0" smtClean="0"/>
+          </a:p>
+          <a:p>
+            <a:r>
+              <a:rPr lang="en-US" baseline="0" dirty="0" smtClean="0"/>
+              <a:t>So obviously – the context of our work is quite different. </a:t>
+            </a:r>
             <a:endParaRPr lang="en-US" dirty="0"/>
           </a:p>
         </p:txBody>
@@ -627,7 +675,7 @@
           <a:p>
             <a:fld id="{036A4C59-9997-D64D-B418-4F4AB05D75FD}" type="slidenum">
               <a:rPr lang="en-US" smtClean="0"/>
-              <a:t>6</a:t>
+              <a:t>4</a:t>
             </a:fld>
             <a:endParaRPr lang="en-US"/>
           </a:p>
@@ -636,7 +684,7 @@
     </p:spTree>
     <p:extLst>
       <p:ext uri="{BB962C8B-B14F-4D97-AF65-F5344CB8AC3E}">
-        <p14:creationId xmlns:p14="http://schemas.microsoft.com/office/powerpoint/2010/main" val="3828846923"/>
+        <p14:creationId xmlns:p14="http://schemas.microsoft.com/office/powerpoint/2010/main" val="3713672522"/>
       </p:ext>
     </p:extLst>
   </p:cSld>
@@ -692,46 +740,9 @@
           <a:p>
             <a:r>
               <a:rPr lang="en-US" dirty="0" smtClean="0"/>
-              <a:t>Same exact </a:t>
-            </a:r>
-            <a:r>
-              <a:rPr lang="en-US" dirty="0" err="1" smtClean="0"/>
-              <a:t>banem</a:t>
-            </a:r>
-            <a:r>
-              <a:rPr lang="en-US" dirty="0" smtClean="0"/>
-              <a:t> </a:t>
-            </a:r>
-            <a:r>
-              <a:rPr lang="en-US" dirty="0" err="1" smtClean="0"/>
-              <a:t>aytgiyr</a:t>
-            </a:r>
-            <a:r>
-              <a:rPr lang="en-US" dirty="0" smtClean="0"/>
-              <a:t>  ,,,,, sketch</a:t>
-            </a:r>
-            <a:r>
-              <a:rPr lang="en-US" baseline="0" dirty="0" smtClean="0"/>
-              <a:t> for the painting,… but look at the date --- what is going on here? </a:t>
-            </a:r>
-          </a:p>
-          <a:p>
-            <a:endParaRPr lang="en-US" baseline="0" dirty="0" smtClean="0"/>
-          </a:p>
-          <a:p>
-            <a:r>
-              <a:rPr lang="en-US" dirty="0" smtClean="0"/>
-              <a:t>http://</a:t>
-            </a:r>
-            <a:r>
-              <a:rPr lang="en-US" dirty="0" err="1" smtClean="0"/>
-              <a:t>www.metmuseum.org</a:t>
-            </a:r>
-            <a:r>
-              <a:rPr lang="en-US" smtClean="0"/>
-              <a:t>/collection/the-collection-online/search/369777</a:t>
-            </a:r>
-            <a:endParaRPr lang="en-US"/>
+              <a:t>Arrangement</a:t>
+            </a:r>
+            <a:endParaRPr lang="en-US" dirty="0"/>
           </a:p>
         </p:txBody>
       </p:sp>
@@ -752,7 +763,7 @@
           <a:p>
             <a:fld id="{036A4C59-9997-D64D-B418-4F4AB05D75FD}" type="slidenum">
               <a:rPr lang="en-US" smtClean="0"/>
-              <a:t>10</a:t>
+              <a:t>5</a:t>
             </a:fld>
             <a:endParaRPr lang="en-US"/>
           </a:p>
@@ -761,7 +772,7 @@
     </p:spTree>
     <p:extLst>
       <p:ext uri="{BB962C8B-B14F-4D97-AF65-F5344CB8AC3E}">
-        <p14:creationId xmlns:p14="http://schemas.microsoft.com/office/powerpoint/2010/main" val="215258894"/>
+        <p14:creationId xmlns:p14="http://schemas.microsoft.com/office/powerpoint/2010/main" val="973671347"/>
       </p:ext>
     </p:extLst>
   </p:cSld>
@@ -817,6 +828,270 @@
           <a:p>
             <a:r>
               <a:rPr lang="en-US" dirty="0" smtClean="0"/>
+              <a:t>We have the same </a:t>
+            </a:r>
+            <a:endParaRPr lang="en-US" dirty="0"/>
+          </a:p>
+        </p:txBody>
+      </p:sp>
+      <p:sp>
+        <p:nvSpPr>
+          <p:cNvPr id="4" name="Slide Number Placeholder 3"/>
+          <p:cNvSpPr>
+            <a:spLocks noGrp="1"/>
+          </p:cNvSpPr>
+          <p:nvPr>
+            <p:ph type="sldNum" sz="quarter" idx="10"/>
+          </p:nvPr>
+        </p:nvSpPr>
+        <p:spPr/>
+        <p:txBody>
+          <a:bodyPr/>
+          <a:lstStyle/>
+          <a:p>
+            <a:fld id="{036A4C59-9997-D64D-B418-4F4AB05D75FD}" type="slidenum">
+              <a:rPr lang="en-US" smtClean="0"/>
+              <a:t>7</a:t>
+            </a:fld>
+            <a:endParaRPr lang="en-US"/>
+          </a:p>
+        </p:txBody>
+      </p:sp>
+    </p:spTree>
+    <p:extLst>
+      <p:ext uri="{BB962C8B-B14F-4D97-AF65-F5344CB8AC3E}">
+        <p14:creationId xmlns:p14="http://schemas.microsoft.com/office/powerpoint/2010/main" val="2093713186"/>
+      </p:ext>
+    </p:extLst>
+  </p:cSld>
+  <p:clrMapOvr>
+    <a:masterClrMapping/>
+  </p:clrMapOvr>
+</p:notes>
+</file>
+
+<file path=ppt/notesSlides/notesSlide5.xml><?xml version="1.0" encoding="utf-8"?>
+<p:notes xmlns:a="http://schemas.openxmlformats.org/drawingml/2006/main" xmlns:r="http://schemas.openxmlformats.org/officeDocument/2006/relationships" xmlns:p="http://schemas.openxmlformats.org/presentationml/2006/main">
+  <p:cSld>
+    <p:spTree>
+      <p:nvGrpSpPr>
+        <p:cNvPr id="1" name=""/>
+        <p:cNvGrpSpPr/>
+        <p:nvPr/>
+      </p:nvGrpSpPr>
+      <p:grpSpPr>
+        <a:xfrm>
+          <a:off x="0" y="0"/>
+          <a:ext cx="0" cy="0"/>
+          <a:chOff x="0" y="0"/>
+          <a:chExt cx="0" cy="0"/>
+        </a:xfrm>
+      </p:grpSpPr>
+      <p:sp>
+        <p:nvSpPr>
+          <p:cNvPr id="2" name="Slide Image Placeholder 1"/>
+          <p:cNvSpPr>
+            <a:spLocks noGrp="1" noRot="1" noChangeAspect="1"/>
+          </p:cNvSpPr>
+          <p:nvPr>
+            <p:ph type="sldImg"/>
+          </p:nvPr>
+        </p:nvSpPr>
+        <p:spPr/>
+      </p:sp>
+      <p:sp>
+        <p:nvSpPr>
+          <p:cNvPr id="3" name="Notes Placeholder 2"/>
+          <p:cNvSpPr>
+            <a:spLocks noGrp="1"/>
+          </p:cNvSpPr>
+          <p:nvPr>
+            <p:ph type="body" idx="1"/>
+          </p:nvPr>
+        </p:nvSpPr>
+        <p:spPr/>
+        <p:txBody>
+          <a:bodyPr/>
+          <a:lstStyle/>
+          <a:p>
+            <a:endParaRPr lang="en-US" dirty="0"/>
+          </a:p>
+        </p:txBody>
+      </p:sp>
+      <p:sp>
+        <p:nvSpPr>
+          <p:cNvPr id="4" name="Slide Number Placeholder 3"/>
+          <p:cNvSpPr>
+            <a:spLocks noGrp="1"/>
+          </p:cNvSpPr>
+          <p:nvPr>
+            <p:ph type="sldNum" sz="quarter" idx="10"/>
+          </p:nvPr>
+        </p:nvSpPr>
+        <p:spPr/>
+        <p:txBody>
+          <a:bodyPr/>
+          <a:lstStyle/>
+          <a:p>
+            <a:fld id="{036A4C59-9997-D64D-B418-4F4AB05D75FD}" type="slidenum">
+              <a:rPr lang="en-US" smtClean="0"/>
+              <a:t>8</a:t>
+            </a:fld>
+            <a:endParaRPr lang="en-US"/>
+          </a:p>
+        </p:txBody>
+      </p:sp>
+    </p:spTree>
+    <p:extLst>
+      <p:ext uri="{BB962C8B-B14F-4D97-AF65-F5344CB8AC3E}">
+        <p14:creationId xmlns:p14="http://schemas.microsoft.com/office/powerpoint/2010/main" val="3828846923"/>
+      </p:ext>
+    </p:extLst>
+  </p:cSld>
+  <p:clrMapOvr>
+    <a:masterClrMapping/>
+  </p:clrMapOvr>
+</p:notes>
+</file>
+
+<file path=ppt/notesSlides/notesSlide6.xml><?xml version="1.0" encoding="utf-8"?>
+<p:notes xmlns:a="http://schemas.openxmlformats.org/drawingml/2006/main" xmlns:r="http://schemas.openxmlformats.org/officeDocument/2006/relationships" xmlns:p="http://schemas.openxmlformats.org/presentationml/2006/main">
+  <p:cSld>
+    <p:spTree>
+      <p:nvGrpSpPr>
+        <p:cNvPr id="1" name=""/>
+        <p:cNvGrpSpPr/>
+        <p:nvPr/>
+      </p:nvGrpSpPr>
+      <p:grpSpPr>
+        <a:xfrm>
+          <a:off x="0" y="0"/>
+          <a:ext cx="0" cy="0"/>
+          <a:chOff x="0" y="0"/>
+          <a:chExt cx="0" cy="0"/>
+        </a:xfrm>
+      </p:grpSpPr>
+      <p:sp>
+        <p:nvSpPr>
+          <p:cNvPr id="2" name="Slide Image Placeholder 1"/>
+          <p:cNvSpPr>
+            <a:spLocks noGrp="1" noRot="1" noChangeAspect="1"/>
+          </p:cNvSpPr>
+          <p:nvPr>
+            <p:ph type="sldImg"/>
+          </p:nvPr>
+        </p:nvSpPr>
+        <p:spPr/>
+      </p:sp>
+      <p:sp>
+        <p:nvSpPr>
+          <p:cNvPr id="3" name="Notes Placeholder 2"/>
+          <p:cNvSpPr>
+            <a:spLocks noGrp="1"/>
+          </p:cNvSpPr>
+          <p:nvPr>
+            <p:ph type="body" idx="1"/>
+          </p:nvPr>
+        </p:nvSpPr>
+        <p:spPr/>
+        <p:txBody>
+          <a:bodyPr/>
+          <a:lstStyle/>
+          <a:p>
+            <a:r>
+              <a:rPr lang="en-US" dirty="0" smtClean="0"/>
+              <a:t>Will talk more about this on</a:t>
+            </a:r>
+            <a:r>
+              <a:rPr lang="en-US" baseline="0" dirty="0" smtClean="0"/>
+              <a:t> day three…. </a:t>
+            </a:r>
+            <a:endParaRPr lang="en-US" dirty="0"/>
+          </a:p>
+        </p:txBody>
+      </p:sp>
+      <p:sp>
+        <p:nvSpPr>
+          <p:cNvPr id="4" name="Slide Number Placeholder 3"/>
+          <p:cNvSpPr>
+            <a:spLocks noGrp="1"/>
+          </p:cNvSpPr>
+          <p:nvPr>
+            <p:ph type="sldNum" sz="quarter" idx="10"/>
+          </p:nvPr>
+        </p:nvSpPr>
+        <p:spPr/>
+        <p:txBody>
+          <a:bodyPr/>
+          <a:lstStyle/>
+          <a:p>
+            <a:fld id="{036A4C59-9997-D64D-B418-4F4AB05D75FD}" type="slidenum">
+              <a:rPr lang="en-US" smtClean="0"/>
+              <a:t>9</a:t>
+            </a:fld>
+            <a:endParaRPr lang="en-US"/>
+          </a:p>
+        </p:txBody>
+      </p:sp>
+    </p:spTree>
+    <p:extLst>
+      <p:ext uri="{BB962C8B-B14F-4D97-AF65-F5344CB8AC3E}">
+        <p14:creationId xmlns:p14="http://schemas.microsoft.com/office/powerpoint/2010/main" val="2731562516"/>
+      </p:ext>
+    </p:extLst>
+  </p:cSld>
+  <p:clrMapOvr>
+    <a:masterClrMapping/>
+  </p:clrMapOvr>
+</p:notes>
+</file>
+
+<file path=ppt/notesSlides/notesSlide7.xml><?xml version="1.0" encoding="utf-8"?>
+<p:notes xmlns:a="http://schemas.openxmlformats.org/drawingml/2006/main" xmlns:r="http://schemas.openxmlformats.org/officeDocument/2006/relationships" xmlns:p="http://schemas.openxmlformats.org/presentationml/2006/main">
+  <p:cSld>
+    <p:spTree>
+      <p:nvGrpSpPr>
+        <p:cNvPr id="1" name=""/>
+        <p:cNvGrpSpPr/>
+        <p:nvPr/>
+      </p:nvGrpSpPr>
+      <p:grpSpPr>
+        <a:xfrm>
+          <a:off x="0" y="0"/>
+          <a:ext cx="0" cy="0"/>
+          <a:chOff x="0" y="0"/>
+          <a:chExt cx="0" cy="0"/>
+        </a:xfrm>
+      </p:grpSpPr>
+      <p:sp>
+        <p:nvSpPr>
+          <p:cNvPr id="2" name="Slide Image Placeholder 1"/>
+          <p:cNvSpPr>
+            <a:spLocks noGrp="1" noRot="1" noChangeAspect="1"/>
+          </p:cNvSpPr>
+          <p:nvPr>
+            <p:ph type="sldImg"/>
+          </p:nvPr>
+        </p:nvSpPr>
+        <p:spPr/>
+      </p:sp>
+      <p:sp>
+        <p:nvSpPr>
+          <p:cNvPr id="3" name="Notes Placeholder 2"/>
+          <p:cNvSpPr>
+            <a:spLocks noGrp="1"/>
+          </p:cNvSpPr>
+          <p:nvPr>
+            <p:ph type="body" idx="1"/>
+          </p:nvPr>
+        </p:nvSpPr>
+        <p:spPr/>
+        <p:txBody>
+          <a:bodyPr/>
+          <a:lstStyle/>
+          <a:p>
+            <a:r>
+              <a:rPr lang="en-US" dirty="0" smtClean="0"/>
               <a:t>This is less straight</a:t>
             </a:r>
             <a:r>
@@ -873,7 +1148,7 @@
           <a:p>
             <a:fld id="{036A4C59-9997-D64D-B418-4F4AB05D75FD}" type="slidenum">
               <a:rPr lang="en-US" smtClean="0"/>
-              <a:t>11</a:t>
+              <a:t>12</a:t>
             </a:fld>
             <a:endParaRPr lang="en-US"/>
           </a:p>
@@ -883,6 +1158,261 @@
     <p:extLst>
       <p:ext uri="{BB962C8B-B14F-4D97-AF65-F5344CB8AC3E}">
         <p14:creationId xmlns:p14="http://schemas.microsoft.com/office/powerpoint/2010/main" val="3994991024"/>
+      </p:ext>
+    </p:extLst>
+  </p:cSld>
+  <p:clrMapOvr>
+    <a:masterClrMapping/>
+  </p:clrMapOvr>
+</p:notes>
+</file>
+
+<file path=ppt/notesSlides/notesSlide8.xml><?xml version="1.0" encoding="utf-8"?>
+<p:notes xmlns:a="http://schemas.openxmlformats.org/drawingml/2006/main" xmlns:r="http://schemas.openxmlformats.org/officeDocument/2006/relationships" xmlns:p="http://schemas.openxmlformats.org/presentationml/2006/main">
+  <p:cSld>
+    <p:spTree>
+      <p:nvGrpSpPr>
+        <p:cNvPr id="1" name=""/>
+        <p:cNvGrpSpPr/>
+        <p:nvPr/>
+      </p:nvGrpSpPr>
+      <p:grpSpPr>
+        <a:xfrm>
+          <a:off x="0" y="0"/>
+          <a:ext cx="0" cy="0"/>
+          <a:chOff x="0" y="0"/>
+          <a:chExt cx="0" cy="0"/>
+        </a:xfrm>
+      </p:grpSpPr>
+      <p:sp>
+        <p:nvSpPr>
+          <p:cNvPr id="2" name="Slide Image Placeholder 1"/>
+          <p:cNvSpPr>
+            <a:spLocks noGrp="1" noRot="1" noChangeAspect="1"/>
+          </p:cNvSpPr>
+          <p:nvPr>
+            <p:ph type="sldImg"/>
+          </p:nvPr>
+        </p:nvSpPr>
+        <p:spPr/>
+      </p:sp>
+      <p:sp>
+        <p:nvSpPr>
+          <p:cNvPr id="3" name="Notes Placeholder 2"/>
+          <p:cNvSpPr>
+            <a:spLocks noGrp="1"/>
+          </p:cNvSpPr>
+          <p:nvPr>
+            <p:ph type="body" idx="1"/>
+          </p:nvPr>
+        </p:nvSpPr>
+        <p:spPr/>
+        <p:txBody>
+          <a:bodyPr/>
+          <a:lstStyle/>
+          <a:p>
+            <a:r>
+              <a:rPr lang="en-US" dirty="0" smtClean="0"/>
+              <a:t>Same exact </a:t>
+            </a:r>
+            <a:r>
+              <a:rPr lang="en-US" dirty="0" err="1" smtClean="0"/>
+              <a:t>banem</a:t>
+            </a:r>
+            <a:r>
+              <a:rPr lang="en-US" dirty="0" smtClean="0"/>
+              <a:t> </a:t>
+            </a:r>
+            <a:r>
+              <a:rPr lang="en-US" dirty="0" err="1" smtClean="0"/>
+              <a:t>aytgiyr</a:t>
+            </a:r>
+            <a:r>
+              <a:rPr lang="en-US" dirty="0" smtClean="0"/>
+              <a:t>  ,,,,, sketch</a:t>
+            </a:r>
+            <a:r>
+              <a:rPr lang="en-US" baseline="0" dirty="0" smtClean="0"/>
+              <a:t> for the painting,… but look at the date --- what is going on here? </a:t>
+            </a:r>
+          </a:p>
+          <a:p>
+            <a:endParaRPr lang="en-US" baseline="0" dirty="0" smtClean="0"/>
+          </a:p>
+          <a:p>
+            <a:r>
+              <a:rPr lang="en-US" dirty="0" smtClean="0"/>
+              <a:t>http://</a:t>
+            </a:r>
+            <a:r>
+              <a:rPr lang="en-US" dirty="0" err="1" smtClean="0"/>
+              <a:t>www.metmuseum.org</a:t>
+            </a:r>
+            <a:r>
+              <a:rPr lang="en-US" smtClean="0"/>
+              <a:t>/collection/the-collection-online/search/369777</a:t>
+            </a:r>
+            <a:endParaRPr lang="en-US"/>
+          </a:p>
+        </p:txBody>
+      </p:sp>
+      <p:sp>
+        <p:nvSpPr>
+          <p:cNvPr id="4" name="Slide Number Placeholder 3"/>
+          <p:cNvSpPr>
+            <a:spLocks noGrp="1"/>
+          </p:cNvSpPr>
+          <p:nvPr>
+            <p:ph type="sldNum" sz="quarter" idx="10"/>
+          </p:nvPr>
+        </p:nvSpPr>
+        <p:spPr/>
+        <p:txBody>
+          <a:bodyPr/>
+          <a:lstStyle/>
+          <a:p>
+            <a:fld id="{036A4C59-9997-D64D-B418-4F4AB05D75FD}" type="slidenum">
+              <a:rPr lang="en-US" smtClean="0"/>
+              <a:t>14</a:t>
+            </a:fld>
+            <a:endParaRPr lang="en-US"/>
+          </a:p>
+        </p:txBody>
+      </p:sp>
+    </p:spTree>
+    <p:extLst>
+      <p:ext uri="{BB962C8B-B14F-4D97-AF65-F5344CB8AC3E}">
+        <p14:creationId xmlns:p14="http://schemas.microsoft.com/office/powerpoint/2010/main" val="215258894"/>
+      </p:ext>
+    </p:extLst>
+  </p:cSld>
+  <p:clrMapOvr>
+    <a:masterClrMapping/>
+  </p:clrMapOvr>
+</p:notes>
+</file>
+
+<file path=ppt/notesSlides/notesSlide9.xml><?xml version="1.0" encoding="utf-8"?>
+<p:notes xmlns:a="http://schemas.openxmlformats.org/drawingml/2006/main" xmlns:r="http://schemas.openxmlformats.org/officeDocument/2006/relationships" xmlns:p="http://schemas.openxmlformats.org/presentationml/2006/main">
+  <p:cSld>
+    <p:spTree>
+      <p:nvGrpSpPr>
+        <p:cNvPr id="1" name=""/>
+        <p:cNvGrpSpPr/>
+        <p:nvPr/>
+      </p:nvGrpSpPr>
+      <p:grpSpPr>
+        <a:xfrm>
+          <a:off x="0" y="0"/>
+          <a:ext cx="0" cy="0"/>
+          <a:chOff x="0" y="0"/>
+          <a:chExt cx="0" cy="0"/>
+        </a:xfrm>
+      </p:grpSpPr>
+      <p:sp>
+        <p:nvSpPr>
+          <p:cNvPr id="2" name="Slide Image Placeholder 1"/>
+          <p:cNvSpPr>
+            <a:spLocks noGrp="1" noRot="1" noChangeAspect="1"/>
+          </p:cNvSpPr>
+          <p:nvPr>
+            <p:ph type="sldImg"/>
+          </p:nvPr>
+        </p:nvSpPr>
+        <p:spPr/>
+      </p:sp>
+      <p:sp>
+        <p:nvSpPr>
+          <p:cNvPr id="3" name="Notes Placeholder 2"/>
+          <p:cNvSpPr>
+            <a:spLocks noGrp="1"/>
+          </p:cNvSpPr>
+          <p:nvPr>
+            <p:ph type="body" idx="1"/>
+          </p:nvPr>
+        </p:nvSpPr>
+        <p:spPr/>
+        <p:txBody>
+          <a:bodyPr/>
+          <a:lstStyle/>
+          <a:p>
+            <a:r>
+              <a:rPr lang="en-US" dirty="0" smtClean="0"/>
+              <a:t>The important point about provenance – is that it is a communication act –</a:t>
+            </a:r>
+            <a:r>
+              <a:rPr lang="en-US" baseline="0" dirty="0" smtClean="0"/>
+              <a:t> </a:t>
+            </a:r>
+          </a:p>
+          <a:p>
+            <a:endParaRPr lang="en-US" baseline="0" dirty="0" smtClean="0"/>
+          </a:p>
+          <a:p>
+            <a:r>
+              <a:rPr lang="en-US" baseline="0" dirty="0" smtClean="0"/>
+              <a:t>At </a:t>
+            </a:r>
+            <a:r>
+              <a:rPr lang="en-US" baseline="0" dirty="0" err="1" smtClean="0"/>
+              <a:t>graunlar</a:t>
+            </a:r>
+            <a:r>
+              <a:rPr lang="en-US" baseline="0" dirty="0" smtClean="0"/>
+              <a:t> level like this it deals with content …. </a:t>
+            </a:r>
+          </a:p>
+          <a:p>
+            <a:endParaRPr lang="en-US" baseline="0" dirty="0" smtClean="0"/>
+          </a:p>
+          <a:p>
+            <a:r>
+              <a:rPr lang="en-US" baseline="0" dirty="0" smtClean="0"/>
+              <a:t>At a much higher level – when we think about content, context, and structure of scholarly records – we need to have a framework which models their lifecycle – </a:t>
+            </a:r>
+            <a:r>
+              <a:rPr lang="en-US" baseline="0" dirty="0" err="1" smtClean="0"/>
+              <a:t>acorss</a:t>
+            </a:r>
+            <a:r>
+              <a:rPr lang="en-US" baseline="0" dirty="0" smtClean="0"/>
+              <a:t> different contexts of planning, use, </a:t>
+            </a:r>
+            <a:r>
+              <a:rPr lang="en-US" baseline="0" smtClean="0"/>
+              <a:t>and reuse. </a:t>
+            </a:r>
+            <a:endParaRPr lang="en-US"/>
+          </a:p>
+        </p:txBody>
+      </p:sp>
+      <p:sp>
+        <p:nvSpPr>
+          <p:cNvPr id="4" name="Slide Number Placeholder 3"/>
+          <p:cNvSpPr>
+            <a:spLocks noGrp="1"/>
+          </p:cNvSpPr>
+          <p:nvPr>
+            <p:ph type="sldNum" sz="quarter" idx="10"/>
+          </p:nvPr>
+        </p:nvSpPr>
+        <p:spPr/>
+        <p:txBody>
+          <a:bodyPr/>
+          <a:lstStyle/>
+          <a:p>
+            <a:fld id="{036A4C59-9997-D64D-B418-4F4AB05D75FD}" type="slidenum">
+              <a:rPr lang="en-US" smtClean="0"/>
+              <a:t>16</a:t>
+            </a:fld>
+            <a:endParaRPr lang="en-US"/>
+          </a:p>
+        </p:txBody>
+      </p:sp>
+    </p:spTree>
+    <p:extLst>
+      <p:ext uri="{BB962C8B-B14F-4D97-AF65-F5344CB8AC3E}">
+        <p14:creationId xmlns:p14="http://schemas.microsoft.com/office/powerpoint/2010/main" val="4173553334"/>
       </p:ext>
     </p:extLst>
   </p:cSld>
@@ -1073,7 +1603,7 @@
           <a:p>
             <a:fld id="{9D6228D5-5F93-BB4A-964B-203967C46295}" type="datetimeFigureOut">
               <a:rPr lang="en-US" smtClean="0"/>
-              <a:t>12/29/14</a:t>
+              <a:t>1/18/15</a:t>
             </a:fld>
             <a:endParaRPr lang="en-US"/>
           </a:p>
@@ -1243,7 +1773,7 @@
           <a:p>
             <a:fld id="{9D6228D5-5F93-BB4A-964B-203967C46295}" type="datetimeFigureOut">
               <a:rPr lang="en-US" smtClean="0"/>
-              <a:t>12/29/14</a:t>
+              <a:t>1/18/15</a:t>
             </a:fld>
             <a:endParaRPr lang="en-US"/>
           </a:p>
@@ -1423,7 +1953,7 @@
           <a:p>
             <a:fld id="{9D6228D5-5F93-BB4A-964B-203967C46295}" type="datetimeFigureOut">
               <a:rPr lang="en-US" smtClean="0"/>
-              <a:t>12/29/14</a:t>
+              <a:t>1/18/15</a:t>
             </a:fld>
             <a:endParaRPr lang="en-US"/>
           </a:p>
@@ -1593,7 +2123,7 @@
           <a:p>
             <a:fld id="{9D6228D5-5F93-BB4A-964B-203967C46295}" type="datetimeFigureOut">
               <a:rPr lang="en-US" smtClean="0"/>
-              <a:t>12/29/14</a:t>
+              <a:t>1/18/15</a:t>
             </a:fld>
             <a:endParaRPr lang="en-US"/>
           </a:p>
@@ -1839,7 +2369,7 @@
           <a:p>
             <a:fld id="{9D6228D5-5F93-BB4A-964B-203967C46295}" type="datetimeFigureOut">
               <a:rPr lang="en-US" smtClean="0"/>
-              <a:t>12/29/14</a:t>
+              <a:t>1/18/15</a:t>
             </a:fld>
             <a:endParaRPr lang="en-US"/>
           </a:p>
@@ -2127,7 +2657,7 @@
           <a:p>
             <a:fld id="{9D6228D5-5F93-BB4A-964B-203967C46295}" type="datetimeFigureOut">
               <a:rPr lang="en-US" smtClean="0"/>
-              <a:t>12/29/14</a:t>
+              <a:t>1/18/15</a:t>
             </a:fld>
             <a:endParaRPr lang="en-US"/>
           </a:p>
@@ -2549,7 +3079,7 @@
           <a:p>
             <a:fld id="{9D6228D5-5F93-BB4A-964B-203967C46295}" type="datetimeFigureOut">
               <a:rPr lang="en-US" smtClean="0"/>
-              <a:t>12/29/14</a:t>
+              <a:t>1/18/15</a:t>
             </a:fld>
             <a:endParaRPr lang="en-US"/>
           </a:p>
@@ -2667,7 +3197,7 @@
           <a:p>
             <a:fld id="{9D6228D5-5F93-BB4A-964B-203967C46295}" type="datetimeFigureOut">
               <a:rPr lang="en-US" smtClean="0"/>
-              <a:t>12/29/14</a:t>
+              <a:t>1/18/15</a:t>
             </a:fld>
             <a:endParaRPr lang="en-US"/>
           </a:p>
@@ -2762,7 +3292,7 @@
           <a:p>
             <a:fld id="{9D6228D5-5F93-BB4A-964B-203967C46295}" type="datetimeFigureOut">
               <a:rPr lang="en-US" smtClean="0"/>
-              <a:t>12/29/14</a:t>
+              <a:t>1/18/15</a:t>
             </a:fld>
             <a:endParaRPr lang="en-US"/>
           </a:p>
@@ -3039,7 +3569,7 @@
           <a:p>
             <a:fld id="{9D6228D5-5F93-BB4A-964B-203967C46295}" type="datetimeFigureOut">
               <a:rPr lang="en-US" smtClean="0"/>
-              <a:t>12/29/14</a:t>
+              <a:t>1/18/15</a:t>
             </a:fld>
             <a:endParaRPr lang="en-US"/>
           </a:p>
@@ -3292,7 +3822,7 @@
           <a:p>
             <a:fld id="{9D6228D5-5F93-BB4A-964B-203967C46295}" type="datetimeFigureOut">
               <a:rPr lang="en-US" smtClean="0"/>
-              <a:t>12/29/14</a:t>
+              <a:t>1/18/15</a:t>
             </a:fld>
             <a:endParaRPr lang="en-US"/>
           </a:p>
@@ -3505,7 +4035,7 @@
           <a:p>
             <a:fld id="{9D6228D5-5F93-BB4A-964B-203967C46295}" type="datetimeFigureOut">
               <a:rPr lang="en-US" smtClean="0"/>
-              <a:t>12/29/14</a:t>
+              <a:t>1/18/15</a:t>
             </a:fld>
             <a:endParaRPr lang="en-US"/>
           </a:p>
@@ -4017,6 +4547,557 @@
             <p:ph type="title"/>
           </p:nvPr>
         </p:nvSpPr>
+        <p:spPr>
+          <a:xfrm>
+            <a:off x="787861" y="2292965"/>
+            <a:ext cx="7772400" cy="1362075"/>
+          </a:xfrm>
+        </p:spPr>
+        <p:txBody>
+          <a:bodyPr/>
+          <a:lstStyle/>
+          <a:p>
+            <a:r>
+              <a:rPr lang="en-US" dirty="0" smtClean="0"/>
+              <a:t>Example of Provenance</a:t>
+            </a:r>
+            <a:endParaRPr lang="en-US" dirty="0"/>
+          </a:p>
+        </p:txBody>
+      </p:sp>
+    </p:spTree>
+    <p:extLst>
+      <p:ext uri="{BB962C8B-B14F-4D97-AF65-F5344CB8AC3E}">
+        <p14:creationId xmlns:p14="http://schemas.microsoft.com/office/powerpoint/2010/main" val="1053293008"/>
+      </p:ext>
+    </p:extLst>
+  </p:cSld>
+  <p:clrMapOvr>
+    <a:masterClrMapping/>
+  </p:clrMapOvr>
+</p:sld>
+</file>
+
+<file path=ppt/slides/slide11.xml><?xml version="1.0" encoding="utf-8"?>
+<p:sld xmlns:a="http://schemas.openxmlformats.org/drawingml/2006/main" xmlns:r="http://schemas.openxmlformats.org/officeDocument/2006/relationships" xmlns:p="http://schemas.openxmlformats.org/presentationml/2006/main">
+  <p:cSld>
+    <p:spTree>
+      <p:nvGrpSpPr>
+        <p:cNvPr id="1" name=""/>
+        <p:cNvGrpSpPr/>
+        <p:nvPr/>
+      </p:nvGrpSpPr>
+      <p:grpSpPr>
+        <a:xfrm>
+          <a:off x="0" y="0"/>
+          <a:ext cx="0" cy="0"/>
+          <a:chOff x="0" y="0"/>
+          <a:chExt cx="0" cy="0"/>
+        </a:xfrm>
+      </p:grpSpPr>
+      <p:pic>
+        <p:nvPicPr>
+          <p:cNvPr id="4" name="Picture 3"/>
+          <p:cNvPicPr>
+            <a:picLocks noChangeAspect="1"/>
+          </p:cNvPicPr>
+          <p:nvPr/>
+        </p:nvPicPr>
+        <p:blipFill>
+          <a:blip r:embed="rId2"/>
+          <a:stretch>
+            <a:fillRect/>
+          </a:stretch>
+        </p:blipFill>
+        <p:spPr>
+          <a:xfrm>
+            <a:off x="5064093" y="1511508"/>
+            <a:ext cx="3858681" cy="3183412"/>
+          </a:xfrm>
+          <a:prstGeom prst="rect">
+            <a:avLst/>
+          </a:prstGeom>
+        </p:spPr>
+      </p:pic>
+      <p:pic>
+        <p:nvPicPr>
+          <p:cNvPr id="3" name="Picture 2" descr="Screen Shot 2015-01-18 at 10.17.52 AM.png"/>
+          <p:cNvPicPr>
+            <a:picLocks noChangeAspect="1"/>
+          </p:cNvPicPr>
+          <p:nvPr/>
+        </p:nvPicPr>
+        <p:blipFill>
+          <a:blip r:embed="rId3">
+            <a:extLst>
+              <a:ext uri="{28A0092B-C50C-407E-A947-70E740481C1C}">
+                <a14:useLocalDpi xmlns:a14="http://schemas.microsoft.com/office/drawing/2010/main" val="0"/>
+              </a:ext>
+            </a:extLst>
+          </a:blip>
+          <a:stretch>
+            <a:fillRect/>
+          </a:stretch>
+        </p:blipFill>
+        <p:spPr>
+          <a:xfrm>
+            <a:off x="163871" y="1380404"/>
+            <a:ext cx="4521604" cy="3501103"/>
+          </a:xfrm>
+          <a:prstGeom prst="rect">
+            <a:avLst/>
+          </a:prstGeom>
+        </p:spPr>
+      </p:pic>
+      <p:sp>
+        <p:nvSpPr>
+          <p:cNvPr id="5" name="Title 1"/>
+          <p:cNvSpPr>
+            <a:spLocks noGrp="1"/>
+          </p:cNvSpPr>
+          <p:nvPr>
+            <p:ph type="title"/>
+          </p:nvPr>
+        </p:nvSpPr>
+        <p:spPr>
+          <a:xfrm>
+            <a:off x="457200" y="102564"/>
+            <a:ext cx="8229600" cy="1143000"/>
+          </a:xfrm>
+        </p:spPr>
+        <p:txBody>
+          <a:bodyPr>
+            <a:normAutofit fontScale="90000"/>
+          </a:bodyPr>
+          <a:lstStyle/>
+          <a:p>
+            <a:r>
+              <a:rPr lang="en-US" dirty="0" smtClean="0"/>
+              <a:t>Provenance of ‘Guitar on a Table’</a:t>
+            </a:r>
+            <a:endParaRPr lang="en-US" dirty="0"/>
+          </a:p>
+        </p:txBody>
+      </p:sp>
+    </p:spTree>
+    <p:extLst>
+      <p:ext uri="{BB962C8B-B14F-4D97-AF65-F5344CB8AC3E}">
+        <p14:creationId xmlns:p14="http://schemas.microsoft.com/office/powerpoint/2010/main" val="4013787972"/>
+      </p:ext>
+    </p:extLst>
+  </p:cSld>
+  <p:clrMapOvr>
+    <a:masterClrMapping/>
+  </p:clrMapOvr>
+</p:sld>
+</file>
+
+<file path=ppt/slides/slide12.xml><?xml version="1.0" encoding="utf-8"?>
+<p:sld xmlns:a="http://schemas.openxmlformats.org/drawingml/2006/main" xmlns:r="http://schemas.openxmlformats.org/officeDocument/2006/relationships" xmlns:p="http://schemas.openxmlformats.org/presentationml/2006/main">
+  <p:cSld>
+    <p:spTree>
+      <p:nvGrpSpPr>
+        <p:cNvPr id="1" name=""/>
+        <p:cNvGrpSpPr/>
+        <p:nvPr/>
+      </p:nvGrpSpPr>
+      <p:grpSpPr>
+        <a:xfrm>
+          <a:off x="0" y="0"/>
+          <a:ext cx="0" cy="0"/>
+          <a:chOff x="0" y="0"/>
+          <a:chExt cx="0" cy="0"/>
+        </a:xfrm>
+      </p:grpSpPr>
+      <p:sp>
+        <p:nvSpPr>
+          <p:cNvPr id="2" name="Title 1"/>
+          <p:cNvSpPr>
+            <a:spLocks noGrp="1"/>
+          </p:cNvSpPr>
+          <p:nvPr>
+            <p:ph type="title"/>
+          </p:nvPr>
+        </p:nvSpPr>
+        <p:spPr/>
+        <p:txBody>
+          <a:bodyPr>
+            <a:normAutofit fontScale="90000"/>
+          </a:bodyPr>
+          <a:lstStyle/>
+          <a:p>
+            <a:r>
+              <a:rPr lang="en-US" dirty="0" smtClean="0"/>
+              <a:t>Provenance of ‘Guitar on a Table’</a:t>
+            </a:r>
+            <a:endParaRPr lang="en-US" dirty="0"/>
+          </a:p>
+        </p:txBody>
+      </p:sp>
+      <p:sp>
+        <p:nvSpPr>
+          <p:cNvPr id="3" name="Content Placeholder 2"/>
+          <p:cNvSpPr>
+            <a:spLocks noGrp="1"/>
+          </p:cNvSpPr>
+          <p:nvPr>
+            <p:ph idx="1"/>
+          </p:nvPr>
+        </p:nvSpPr>
+        <p:spPr/>
+        <p:txBody>
+          <a:bodyPr>
+            <a:normAutofit/>
+          </a:bodyPr>
+          <a:lstStyle/>
+          <a:p>
+            <a:pPr marL="0" indent="0">
+              <a:buNone/>
+            </a:pPr>
+            <a:r>
+              <a:rPr lang="en-US" sz="2000" i="1" dirty="0" smtClean="0"/>
+              <a:t>This painting was </a:t>
+            </a:r>
+            <a:r>
+              <a:rPr lang="en-US" sz="2000" b="1" i="1" dirty="0" smtClean="0"/>
+              <a:t>acquired by </a:t>
+            </a:r>
+            <a:r>
+              <a:rPr lang="en-US" sz="2000" i="1" dirty="0" smtClean="0"/>
+              <a:t>Gertrude Stein (American, 1874-1946, in Paris after 1902) directly from the artist. After Stein died, her collection was </a:t>
+            </a:r>
+            <a:r>
+              <a:rPr lang="en-US" sz="2000" b="1" i="1" dirty="0" smtClean="0"/>
+              <a:t>entrusted t</a:t>
+            </a:r>
+            <a:r>
+              <a:rPr lang="en-US" sz="2000" i="1" dirty="0" smtClean="0"/>
+              <a:t>o her companion, Alice B. Toklas (American, 1877-1967, in Paris after 1907) until her death. Guitar on a Table was</a:t>
+            </a:r>
+            <a:r>
+              <a:rPr lang="en-US" sz="2000" b="1" i="1" dirty="0" smtClean="0"/>
+              <a:t> bought by </a:t>
+            </a:r>
+            <a:r>
+              <a:rPr lang="en-US" sz="2000" i="1" dirty="0" smtClean="0"/>
+              <a:t>Nelson A. Rockefeller in 1968 from Stein's estate. The painting </a:t>
+            </a:r>
+            <a:r>
+              <a:rPr lang="en-US" sz="2000" b="1" i="1" dirty="0" smtClean="0"/>
+              <a:t>was donated to </a:t>
+            </a:r>
+            <a:r>
+              <a:rPr lang="en-US" sz="2000" i="1" dirty="0" smtClean="0"/>
+              <a:t>Dartmouth College by Rockefeller, an alumnus of the college, in 1975. The painting has </a:t>
+            </a:r>
+            <a:r>
+              <a:rPr lang="en-US" sz="2000" b="1" i="1" dirty="0" smtClean="0"/>
+              <a:t>hung a</a:t>
+            </a:r>
+            <a:r>
+              <a:rPr lang="en-US" sz="2000" i="1" dirty="0" smtClean="0"/>
+              <a:t>t the Hood Museum of Art since the building opened to the public, in 1985.</a:t>
+            </a:r>
+            <a:endParaRPr lang="en-US" sz="2000" i="1" dirty="0"/>
+          </a:p>
+        </p:txBody>
+      </p:sp>
+    </p:spTree>
+    <p:extLst>
+      <p:ext uri="{BB962C8B-B14F-4D97-AF65-F5344CB8AC3E}">
+        <p14:creationId xmlns:p14="http://schemas.microsoft.com/office/powerpoint/2010/main" val="865712349"/>
+      </p:ext>
+    </p:extLst>
+  </p:cSld>
+  <p:clrMapOvr>
+    <a:masterClrMapping/>
+  </p:clrMapOvr>
+</p:sld>
+</file>
+
+<file path=ppt/slides/slide13.xml><?xml version="1.0" encoding="utf-8"?>
+<p:sld xmlns:a="http://schemas.openxmlformats.org/drawingml/2006/main" xmlns:r="http://schemas.openxmlformats.org/officeDocument/2006/relationships" xmlns:p="http://schemas.openxmlformats.org/presentationml/2006/main">
+  <p:cSld>
+    <p:spTree>
+      <p:nvGrpSpPr>
+        <p:cNvPr id="1" name=""/>
+        <p:cNvGrpSpPr/>
+        <p:nvPr/>
+      </p:nvGrpSpPr>
+      <p:grpSpPr>
+        <a:xfrm>
+          <a:off x="0" y="0"/>
+          <a:ext cx="0" cy="0"/>
+          <a:chOff x="0" y="0"/>
+          <a:chExt cx="0" cy="0"/>
+        </a:xfrm>
+      </p:grpSpPr>
+      <p:sp>
+        <p:nvSpPr>
+          <p:cNvPr id="2" name="Title 1"/>
+          <p:cNvSpPr>
+            <a:spLocks noGrp="1"/>
+          </p:cNvSpPr>
+          <p:nvPr>
+            <p:ph type="title"/>
+          </p:nvPr>
+        </p:nvSpPr>
+        <p:spPr/>
+        <p:txBody>
+          <a:bodyPr/>
+          <a:lstStyle/>
+          <a:p>
+            <a:r>
+              <a:rPr lang="en-US" dirty="0" smtClean="0"/>
+              <a:t>Descriptive Metadata</a:t>
+            </a:r>
+            <a:endParaRPr lang="en-US" dirty="0"/>
+          </a:p>
+        </p:txBody>
+      </p:sp>
+      <p:sp>
+        <p:nvSpPr>
+          <p:cNvPr id="3" name="Content Placeholder 2"/>
+          <p:cNvSpPr>
+            <a:spLocks noGrp="1"/>
+          </p:cNvSpPr>
+          <p:nvPr>
+            <p:ph idx="1"/>
+          </p:nvPr>
+        </p:nvSpPr>
+        <p:spPr>
+          <a:xfrm>
+            <a:off x="791882" y="1688353"/>
+            <a:ext cx="7894917" cy="3839882"/>
+          </a:xfrm>
+        </p:spPr>
+        <p:txBody>
+          <a:bodyPr>
+            <a:normAutofit/>
+          </a:bodyPr>
+          <a:lstStyle/>
+          <a:p>
+            <a:pPr marL="0" indent="0">
+              <a:buNone/>
+            </a:pPr>
+            <a:r>
+              <a:rPr lang="en-US" sz="2000" b="1" dirty="0" smtClean="0">
+                <a:latin typeface="American Typewriter"/>
+                <a:cs typeface="American Typewriter"/>
+              </a:rPr>
+              <a:t>&lt;creator&gt; </a:t>
+            </a:r>
+            <a:r>
+              <a:rPr lang="en-US" sz="2000" dirty="0" smtClean="0">
+                <a:latin typeface="American Typewriter"/>
+                <a:cs typeface="American Typewriter"/>
+              </a:rPr>
+              <a:t>Pablo Picasso, Spanish, 1881-1973, in Paris after </a:t>
+            </a:r>
+            <a:r>
+              <a:rPr lang="en-US" sz="2000" dirty="0" smtClean="0">
+                <a:latin typeface="American Typewriter"/>
+                <a:cs typeface="American Typewriter"/>
+              </a:rPr>
+              <a:t>1904</a:t>
+            </a:r>
+            <a:endParaRPr lang="en-US" sz="2000" dirty="0" smtClean="0">
+              <a:latin typeface="American Typewriter"/>
+              <a:cs typeface="American Typewriter"/>
+            </a:endParaRPr>
+          </a:p>
+          <a:p>
+            <a:pPr marL="0" indent="0">
+              <a:buNone/>
+            </a:pPr>
+            <a:r>
+              <a:rPr lang="en-US" sz="2000" b="1" dirty="0" smtClean="0">
+                <a:latin typeface="American Typewriter"/>
+                <a:cs typeface="American Typewriter"/>
+              </a:rPr>
+              <a:t>&lt;title&gt; </a:t>
+            </a:r>
+            <a:r>
+              <a:rPr lang="en-US" sz="2000" i="1" dirty="0" smtClean="0">
+                <a:latin typeface="American Typewriter"/>
+                <a:cs typeface="American Typewriter"/>
+              </a:rPr>
+              <a:t>Guitar on a </a:t>
+            </a:r>
+            <a:r>
+              <a:rPr lang="en-US" sz="2000" i="1" dirty="0" smtClean="0">
+                <a:latin typeface="American Typewriter"/>
+                <a:cs typeface="American Typewriter"/>
+              </a:rPr>
+              <a:t>Table</a:t>
+            </a:r>
+            <a:endParaRPr lang="en-US" sz="2000" i="1" dirty="0" smtClean="0">
+              <a:latin typeface="American Typewriter"/>
+              <a:cs typeface="American Typewriter"/>
+            </a:endParaRPr>
+          </a:p>
+          <a:p>
+            <a:pPr marL="0" indent="0">
+              <a:buNone/>
+            </a:pPr>
+            <a:r>
+              <a:rPr lang="en-US" sz="2000" b="1" i="1" dirty="0" smtClean="0">
+                <a:latin typeface="American Typewriter"/>
+                <a:cs typeface="American Typewriter"/>
+              </a:rPr>
+              <a:t>&lt;date&gt; </a:t>
+            </a:r>
+            <a:r>
+              <a:rPr lang="en-US" sz="2000" dirty="0" smtClean="0">
+                <a:latin typeface="American Typewriter"/>
+                <a:cs typeface="American Typewriter"/>
+              </a:rPr>
+              <a:t>1912</a:t>
+            </a:r>
+            <a:endParaRPr lang="en-US" sz="2000" dirty="0" smtClean="0">
+              <a:latin typeface="American Typewriter"/>
+              <a:cs typeface="American Typewriter"/>
+            </a:endParaRPr>
+          </a:p>
+          <a:p>
+            <a:pPr marL="0" indent="0">
+              <a:buNone/>
+            </a:pPr>
+            <a:r>
+              <a:rPr lang="en-US" sz="2000" b="1" dirty="0" smtClean="0">
+                <a:latin typeface="American Typewriter"/>
+                <a:cs typeface="American Typewriter"/>
+              </a:rPr>
+              <a:t>&lt;medium</a:t>
+            </a:r>
+            <a:r>
+              <a:rPr lang="en-US" sz="2000" b="1" dirty="0" smtClean="0">
+                <a:latin typeface="American Typewriter"/>
+                <a:cs typeface="American Typewriter"/>
+              </a:rPr>
+              <a:t>&gt; </a:t>
+            </a:r>
+            <a:r>
+              <a:rPr lang="en-US" sz="2000" dirty="0" smtClean="0">
+                <a:latin typeface="American Typewriter"/>
+                <a:cs typeface="American Typewriter"/>
+              </a:rPr>
+              <a:t>Oil</a:t>
+            </a:r>
+            <a:r>
+              <a:rPr lang="en-US" sz="2000" dirty="0" smtClean="0">
+                <a:latin typeface="American Typewriter"/>
+                <a:cs typeface="American Typewriter"/>
+              </a:rPr>
+              <a:t>, sand, and charcoal on </a:t>
+            </a:r>
+            <a:r>
+              <a:rPr lang="en-US" sz="2000" dirty="0" smtClean="0">
+                <a:latin typeface="American Typewriter"/>
+                <a:cs typeface="American Typewriter"/>
+              </a:rPr>
+              <a:t>canvas</a:t>
+            </a:r>
+            <a:endParaRPr lang="en-US" sz="2000" dirty="0" smtClean="0">
+              <a:latin typeface="American Typewriter"/>
+              <a:cs typeface="American Typewriter"/>
+            </a:endParaRPr>
+          </a:p>
+          <a:p>
+            <a:pPr marL="0" indent="0">
+              <a:buNone/>
+            </a:pPr>
+            <a:r>
+              <a:rPr lang="en-US" sz="2000" b="1" dirty="0" smtClean="0">
+                <a:latin typeface="American Typewriter"/>
+                <a:cs typeface="American Typewriter"/>
+              </a:rPr>
+              <a:t>&lt;size&gt; </a:t>
+            </a:r>
+            <a:r>
+              <a:rPr lang="en-US" sz="2000" dirty="0" smtClean="0">
+                <a:latin typeface="American Typewriter"/>
+                <a:cs typeface="American Typewriter"/>
+              </a:rPr>
+              <a:t>20 1/8 x 24 1/4 in (51.1 x 61.6 cm</a:t>
+            </a:r>
+            <a:r>
+              <a:rPr lang="en-US" sz="2000" dirty="0" smtClean="0">
+                <a:latin typeface="American Typewriter"/>
+                <a:cs typeface="American Typewriter"/>
+              </a:rPr>
+              <a:t>)</a:t>
+            </a:r>
+            <a:endParaRPr lang="en-US" sz="2000" dirty="0" smtClean="0">
+              <a:latin typeface="American Typewriter"/>
+              <a:cs typeface="American Typewriter"/>
+            </a:endParaRPr>
+          </a:p>
+          <a:p>
+            <a:pPr marL="0" indent="0">
+              <a:buNone/>
+            </a:pPr>
+            <a:r>
+              <a:rPr lang="en-US" sz="2000" b="1" dirty="0" smtClean="0">
+                <a:latin typeface="American Typewriter"/>
+                <a:cs typeface="American Typewriter"/>
+              </a:rPr>
+              <a:t>&lt;origin&gt; </a:t>
+            </a:r>
+            <a:r>
+              <a:rPr lang="en-US" sz="2000" dirty="0" smtClean="0">
+                <a:latin typeface="American Typewriter"/>
+                <a:cs typeface="American Typewriter"/>
+              </a:rPr>
+              <a:t>Gift of Nelson A. Rockefeller, Class of 1930; P.975.79</a:t>
+            </a:r>
+            <a:endParaRPr lang="en-US" sz="2000" dirty="0">
+              <a:latin typeface="American Typewriter"/>
+              <a:cs typeface="American Typewriter"/>
+            </a:endParaRPr>
+          </a:p>
+        </p:txBody>
+      </p:sp>
+    </p:spTree>
+    <p:extLst>
+      <p:ext uri="{BB962C8B-B14F-4D97-AF65-F5344CB8AC3E}">
+        <p14:creationId xmlns:p14="http://schemas.microsoft.com/office/powerpoint/2010/main" val="2805563517"/>
+      </p:ext>
+    </p:extLst>
+  </p:cSld>
+  <p:clrMapOvr>
+    <a:masterClrMapping/>
+  </p:clrMapOvr>
+</p:sld>
+</file>
+
+<file path=ppt/slides/slide14.xml><?xml version="1.0" encoding="utf-8"?>
+<p:sld xmlns:a="http://schemas.openxmlformats.org/drawingml/2006/main" xmlns:r="http://schemas.openxmlformats.org/officeDocument/2006/relationships" xmlns:p="http://schemas.openxmlformats.org/presentationml/2006/main">
+  <p:cSld>
+    <p:spTree>
+      <p:nvGrpSpPr>
+        <p:cNvPr id="1" name=""/>
+        <p:cNvGrpSpPr/>
+        <p:nvPr/>
+      </p:nvGrpSpPr>
+      <p:grpSpPr>
+        <a:xfrm>
+          <a:off x="0" y="0"/>
+          <a:ext cx="0" cy="0"/>
+          <a:chOff x="0" y="0"/>
+          <a:chExt cx="0" cy="0"/>
+        </a:xfrm>
+      </p:grpSpPr>
+      <p:sp>
+        <p:nvSpPr>
+          <p:cNvPr id="2" name="Title 1"/>
+          <p:cNvSpPr>
+            <a:spLocks noGrp="1"/>
+          </p:cNvSpPr>
+          <p:nvPr>
+            <p:ph type="title"/>
+          </p:nvPr>
+        </p:nvSpPr>
         <p:spPr/>
         <p:txBody>
           <a:bodyPr/>
@@ -4088,370 +5169,6 @@
 </p:sld>
 </file>
 
-<file path=ppt/slides/slide11.xml><?xml version="1.0" encoding="utf-8"?>
-<p:sld xmlns:a="http://schemas.openxmlformats.org/drawingml/2006/main" xmlns:r="http://schemas.openxmlformats.org/officeDocument/2006/relationships" xmlns:p="http://schemas.openxmlformats.org/presentationml/2006/main">
-  <p:cSld>
-    <p:spTree>
-      <p:nvGrpSpPr>
-        <p:cNvPr id="1" name=""/>
-        <p:cNvGrpSpPr/>
-        <p:nvPr/>
-      </p:nvGrpSpPr>
-      <p:grpSpPr>
-        <a:xfrm>
-          <a:off x="0" y="0"/>
-          <a:ext cx="0" cy="0"/>
-          <a:chOff x="0" y="0"/>
-          <a:chExt cx="0" cy="0"/>
-        </a:xfrm>
-      </p:grpSpPr>
-      <p:sp>
-        <p:nvSpPr>
-          <p:cNvPr id="2" name="Title 1"/>
-          <p:cNvSpPr>
-            <a:spLocks noGrp="1"/>
-          </p:cNvSpPr>
-          <p:nvPr>
-            <p:ph type="title"/>
-          </p:nvPr>
-        </p:nvSpPr>
-        <p:spPr/>
-        <p:txBody>
-          <a:bodyPr>
-            <a:normAutofit fontScale="90000"/>
-          </a:bodyPr>
-          <a:lstStyle/>
-          <a:p>
-            <a:r>
-              <a:rPr lang="en-US" dirty="0" smtClean="0"/>
-              <a:t>Provenance of ‘Guitar on a Table’</a:t>
-            </a:r>
-            <a:endParaRPr lang="en-US" dirty="0"/>
-          </a:p>
-        </p:txBody>
-      </p:sp>
-      <p:sp>
-        <p:nvSpPr>
-          <p:cNvPr id="3" name="Content Placeholder 2"/>
-          <p:cNvSpPr>
-            <a:spLocks noGrp="1"/>
-          </p:cNvSpPr>
-          <p:nvPr>
-            <p:ph idx="1"/>
-          </p:nvPr>
-        </p:nvSpPr>
-        <p:spPr/>
-        <p:txBody>
-          <a:bodyPr>
-            <a:normAutofit/>
-          </a:bodyPr>
-          <a:lstStyle/>
-          <a:p>
-            <a:pPr marL="0" indent="0">
-              <a:buNone/>
-            </a:pPr>
-            <a:r>
-              <a:rPr lang="en-US" sz="2000" i="1" dirty="0" smtClean="0"/>
-              <a:t>This painting was </a:t>
-            </a:r>
-            <a:r>
-              <a:rPr lang="en-US" sz="2000" b="1" i="1" dirty="0" smtClean="0"/>
-              <a:t>acquired by </a:t>
-            </a:r>
-            <a:r>
-              <a:rPr lang="en-US" sz="2000" i="1" dirty="0" smtClean="0"/>
-              <a:t>Gertrude Stein (American, 1874-1946, in Paris after 1902) directly from the artist. After Stein died, her collection was </a:t>
-            </a:r>
-            <a:r>
-              <a:rPr lang="en-US" sz="2000" b="1" i="1" dirty="0" smtClean="0"/>
-              <a:t>entrusted t</a:t>
-            </a:r>
-            <a:r>
-              <a:rPr lang="en-US" sz="2000" i="1" dirty="0" smtClean="0"/>
-              <a:t>o her companion, Alice B. Toklas (American, 1877-1967, in Paris after 1907) until her death. Guitar on a Table was</a:t>
-            </a:r>
-            <a:r>
-              <a:rPr lang="en-US" sz="2000" b="1" i="1" dirty="0" smtClean="0"/>
-              <a:t> bought by </a:t>
-            </a:r>
-            <a:r>
-              <a:rPr lang="en-US" sz="2000" i="1" dirty="0" smtClean="0"/>
-              <a:t>Nelson A. Rockefeller in 1968 from Stein's estate. The painting </a:t>
-            </a:r>
-            <a:r>
-              <a:rPr lang="en-US" sz="2000" b="1" i="1" dirty="0" smtClean="0"/>
-              <a:t>was donated to </a:t>
-            </a:r>
-            <a:r>
-              <a:rPr lang="en-US" sz="2000" i="1" dirty="0" smtClean="0"/>
-              <a:t>Dartmouth College by Rockefeller, an alumnus of the college, in 1975. The painting has </a:t>
-            </a:r>
-            <a:r>
-              <a:rPr lang="en-US" sz="2000" b="1" i="1" dirty="0" smtClean="0"/>
-              <a:t>hung a</a:t>
-            </a:r>
-            <a:r>
-              <a:rPr lang="en-US" sz="2000" i="1" dirty="0" smtClean="0"/>
-              <a:t>t the Hood Museum of Art since the building opened to the public, in 1985.</a:t>
-            </a:r>
-            <a:endParaRPr lang="en-US" sz="2000" i="1" dirty="0"/>
-          </a:p>
-        </p:txBody>
-      </p:sp>
-    </p:spTree>
-    <p:extLst>
-      <p:ext uri="{BB962C8B-B14F-4D97-AF65-F5344CB8AC3E}">
-        <p14:creationId xmlns:p14="http://schemas.microsoft.com/office/powerpoint/2010/main" val="865712349"/>
-      </p:ext>
-    </p:extLst>
-  </p:cSld>
-  <p:clrMapOvr>
-    <a:masterClrMapping/>
-  </p:clrMapOvr>
-</p:sld>
-</file>
-
-<file path=ppt/slides/slide12.xml><?xml version="1.0" encoding="utf-8"?>
-<p:sld xmlns:a="http://schemas.openxmlformats.org/drawingml/2006/main" xmlns:r="http://schemas.openxmlformats.org/officeDocument/2006/relationships" xmlns:p="http://schemas.openxmlformats.org/presentationml/2006/main">
-  <p:cSld>
-    <p:spTree>
-      <p:nvGrpSpPr>
-        <p:cNvPr id="1" name=""/>
-        <p:cNvGrpSpPr/>
-        <p:nvPr/>
-      </p:nvGrpSpPr>
-      <p:grpSpPr>
-        <a:xfrm>
-          <a:off x="0" y="0"/>
-          <a:ext cx="0" cy="0"/>
-          <a:chOff x="0" y="0"/>
-          <a:chExt cx="0" cy="0"/>
-        </a:xfrm>
-      </p:grpSpPr>
-      <p:sp>
-        <p:nvSpPr>
-          <p:cNvPr id="2" name="Title 1"/>
-          <p:cNvSpPr>
-            <a:spLocks noGrp="1"/>
-          </p:cNvSpPr>
-          <p:nvPr>
-            <p:ph type="title"/>
-          </p:nvPr>
-        </p:nvSpPr>
-        <p:spPr/>
-        <p:txBody>
-          <a:bodyPr/>
-          <a:lstStyle/>
-          <a:p>
-            <a:r>
-              <a:rPr lang="en-US" dirty="0" smtClean="0"/>
-              <a:t>Data Provenance (example)</a:t>
-            </a:r>
-            <a:endParaRPr lang="en-US" dirty="0"/>
-          </a:p>
-        </p:txBody>
-      </p:sp>
-      <p:sp>
-        <p:nvSpPr>
-          <p:cNvPr id="3" name="Content Placeholder 2"/>
-          <p:cNvSpPr>
-            <a:spLocks noGrp="1"/>
-          </p:cNvSpPr>
-          <p:nvPr>
-            <p:ph idx="1"/>
-          </p:nvPr>
-        </p:nvSpPr>
-        <p:spPr/>
-        <p:txBody>
-          <a:bodyPr/>
-          <a:lstStyle/>
-          <a:p>
-            <a:endParaRPr lang="en-US"/>
-          </a:p>
-        </p:txBody>
-      </p:sp>
-    </p:spTree>
-    <p:extLst>
-      <p:ext uri="{BB962C8B-B14F-4D97-AF65-F5344CB8AC3E}">
-        <p14:creationId xmlns:p14="http://schemas.microsoft.com/office/powerpoint/2010/main" val="2953699087"/>
-      </p:ext>
-    </p:extLst>
-  </p:cSld>
-  <p:clrMapOvr>
-    <a:masterClrMapping/>
-  </p:clrMapOvr>
-</p:sld>
-</file>
-
-<file path=ppt/slides/slide13.xml><?xml version="1.0" encoding="utf-8"?>
-<p:sld xmlns:a="http://schemas.openxmlformats.org/drawingml/2006/main" xmlns:r="http://schemas.openxmlformats.org/officeDocument/2006/relationships" xmlns:p="http://schemas.openxmlformats.org/presentationml/2006/main">
-  <p:cSld>
-    <p:spTree>
-      <p:nvGrpSpPr>
-        <p:cNvPr id="1" name=""/>
-        <p:cNvGrpSpPr/>
-        <p:nvPr/>
-      </p:nvGrpSpPr>
-      <p:grpSpPr>
-        <a:xfrm>
-          <a:off x="0" y="0"/>
-          <a:ext cx="0" cy="0"/>
-          <a:chOff x="0" y="0"/>
-          <a:chExt cx="0" cy="0"/>
-        </a:xfrm>
-      </p:grpSpPr>
-      <p:sp>
-        <p:nvSpPr>
-          <p:cNvPr id="2" name="Title 1"/>
-          <p:cNvSpPr>
-            <a:spLocks noGrp="1"/>
-          </p:cNvSpPr>
-          <p:nvPr>
-            <p:ph type="title"/>
-          </p:nvPr>
-        </p:nvSpPr>
-        <p:spPr/>
-        <p:txBody>
-          <a:bodyPr/>
-          <a:lstStyle/>
-          <a:p>
-            <a:r>
-              <a:rPr lang="en-US" dirty="0" err="1" smtClean="0"/>
-              <a:t>Schema.org</a:t>
-            </a:r>
-            <a:endParaRPr lang="en-US" dirty="0"/>
-          </a:p>
-        </p:txBody>
-      </p:sp>
-      <p:sp>
-        <p:nvSpPr>
-          <p:cNvPr id="3" name="Content Placeholder 2"/>
-          <p:cNvSpPr>
-            <a:spLocks noGrp="1"/>
-          </p:cNvSpPr>
-          <p:nvPr>
-            <p:ph idx="1"/>
-          </p:nvPr>
-        </p:nvSpPr>
-        <p:spPr/>
-        <p:txBody>
-          <a:bodyPr/>
-          <a:lstStyle/>
-          <a:p>
-            <a:pPr marL="0" indent="0">
-              <a:buNone/>
-            </a:pPr>
-            <a:r>
-              <a:rPr lang="en-US" dirty="0" smtClean="0"/>
-              <a:t>A gateway drug to the Semantic Web, RDF, and all things Linked Data. </a:t>
-            </a:r>
-          </a:p>
-          <a:p>
-            <a:pPr marL="0" indent="0">
-              <a:buNone/>
-            </a:pPr>
-            <a:endParaRPr lang="en-US" dirty="0"/>
-          </a:p>
-          <a:p>
-            <a:pPr marL="0" indent="0">
-              <a:buNone/>
-            </a:pPr>
-            <a:r>
-              <a:rPr lang="en-US" dirty="0"/>
-              <a:t>http://</a:t>
-            </a:r>
-            <a:r>
-              <a:rPr lang="en-US" dirty="0" err="1"/>
-              <a:t>schema.org</a:t>
-            </a:r>
-            <a:r>
-              <a:rPr lang="en-US" dirty="0"/>
-              <a:t>/Dataset</a:t>
-            </a:r>
-          </a:p>
-        </p:txBody>
-      </p:sp>
-    </p:spTree>
-    <p:extLst>
-      <p:ext uri="{BB962C8B-B14F-4D97-AF65-F5344CB8AC3E}">
-        <p14:creationId xmlns:p14="http://schemas.microsoft.com/office/powerpoint/2010/main" val="3541378888"/>
-      </p:ext>
-    </p:extLst>
-  </p:cSld>
-  <p:clrMapOvr>
-    <a:masterClrMapping/>
-  </p:clrMapOvr>
-</p:sld>
-</file>
-
-<file path=ppt/slides/slide14.xml><?xml version="1.0" encoding="utf-8"?>
-<p:sld xmlns:a="http://schemas.openxmlformats.org/drawingml/2006/main" xmlns:r="http://schemas.openxmlformats.org/officeDocument/2006/relationships" xmlns:p="http://schemas.openxmlformats.org/presentationml/2006/main">
-  <p:cSld>
-    <p:spTree>
-      <p:nvGrpSpPr>
-        <p:cNvPr id="1" name=""/>
-        <p:cNvGrpSpPr/>
-        <p:nvPr/>
-      </p:nvGrpSpPr>
-      <p:grpSpPr>
-        <a:xfrm>
-          <a:off x="0" y="0"/>
-          <a:ext cx="0" cy="0"/>
-          <a:chOff x="0" y="0"/>
-          <a:chExt cx="0" cy="0"/>
-        </a:xfrm>
-      </p:grpSpPr>
-      <p:sp>
-        <p:nvSpPr>
-          <p:cNvPr id="2" name="Title 1"/>
-          <p:cNvSpPr>
-            <a:spLocks noGrp="1"/>
-          </p:cNvSpPr>
-          <p:nvPr>
-            <p:ph type="title"/>
-          </p:nvPr>
-        </p:nvSpPr>
-        <p:spPr/>
-        <p:txBody>
-          <a:bodyPr/>
-          <a:lstStyle/>
-          <a:p>
-            <a:endParaRPr lang="en-US"/>
-          </a:p>
-        </p:txBody>
-      </p:sp>
-      <p:sp>
-        <p:nvSpPr>
-          <p:cNvPr id="3" name="Content Placeholder 2"/>
-          <p:cNvSpPr>
-            <a:spLocks noGrp="1"/>
-          </p:cNvSpPr>
-          <p:nvPr>
-            <p:ph idx="1"/>
-          </p:nvPr>
-        </p:nvSpPr>
-        <p:spPr/>
-        <p:txBody>
-          <a:bodyPr/>
-          <a:lstStyle/>
-          <a:p>
-            <a:endParaRPr lang="en-US"/>
-          </a:p>
-        </p:txBody>
-      </p:sp>
-    </p:spTree>
-    <p:extLst>
-      <p:ext uri="{BB962C8B-B14F-4D97-AF65-F5344CB8AC3E}">
-        <p14:creationId xmlns:p14="http://schemas.microsoft.com/office/powerpoint/2010/main" val="1149394651"/>
-      </p:ext>
-    </p:extLst>
-  </p:cSld>
-  <p:clrMapOvr>
-    <a:masterClrMapping/>
-  </p:clrMapOvr>
-</p:sld>
-</file>
-
 <file path=ppt/slides/slide15.xml><?xml version="1.0" encoding="utf-8"?>
 <p:sld xmlns:a="http://schemas.openxmlformats.org/drawingml/2006/main" xmlns:r="http://schemas.openxmlformats.org/officeDocument/2006/relationships" xmlns:p="http://schemas.openxmlformats.org/presentationml/2006/main">
   <p:cSld>
@@ -4486,35 +5203,203 @@
           <a:p>
             <a:r>
               <a:rPr lang="en-US" dirty="0" smtClean="0"/>
-              <a:t>Data Provenance (example)</a:t>
+              <a:t>Data Provenance </a:t>
             </a:r>
             <a:endParaRPr lang="en-US" dirty="0"/>
           </a:p>
         </p:txBody>
       </p:sp>
-      <p:sp>
-        <p:nvSpPr>
-          <p:cNvPr id="3" name="Content Placeholder 2"/>
-          <p:cNvSpPr>
-            <a:spLocks noGrp="1"/>
-          </p:cNvSpPr>
-          <p:nvPr>
-            <p:ph idx="1"/>
-          </p:nvPr>
-        </p:nvSpPr>
-        <p:spPr/>
-        <p:txBody>
-          <a:bodyPr/>
-          <a:lstStyle/>
-          <a:p>
-            <a:endParaRPr lang="en-US" dirty="0"/>
+      <p:pic>
+        <p:nvPicPr>
+          <p:cNvPr id="4" name="Picture 3"/>
+          <p:cNvPicPr>
+            <a:picLocks noChangeAspect="1"/>
+          </p:cNvPicPr>
+          <p:nvPr/>
+        </p:nvPicPr>
+        <p:blipFill>
+          <a:blip r:embed="rId2"/>
+          <a:stretch>
+            <a:fillRect/>
+          </a:stretch>
+        </p:blipFill>
+        <p:spPr>
+          <a:xfrm>
+            <a:off x="1585452" y="2158590"/>
+            <a:ext cx="6350000" cy="2311400"/>
+          </a:xfrm>
+          <a:prstGeom prst="rect">
+            <a:avLst/>
+          </a:prstGeom>
+        </p:spPr>
+      </p:pic>
+      <p:sp>
+        <p:nvSpPr>
+          <p:cNvPr id="5" name="Rectangle 4"/>
+          <p:cNvSpPr/>
+          <p:nvPr/>
+        </p:nvSpPr>
+        <p:spPr>
+          <a:xfrm>
+            <a:off x="4690491" y="5207000"/>
+            <a:ext cx="4064860" cy="369332"/>
+          </a:xfrm>
+          <a:prstGeom prst="rect">
+            <a:avLst/>
+          </a:prstGeom>
+        </p:spPr>
+        <p:txBody>
+          <a:bodyPr wrap="none">
+            <a:spAutoFit/>
+          </a:bodyPr>
+          <a:lstStyle/>
+          <a:p>
+            <a:r>
+              <a:rPr lang="en-US" dirty="0" smtClean="0"/>
+              <a:t>Image from: leadership2013</a:t>
+            </a:r>
+            <a:r>
+              <a:rPr lang="en-US" dirty="0"/>
+              <a:t>.thatcamp.org</a:t>
+            </a:r>
           </a:p>
         </p:txBody>
       </p:sp>
     </p:spTree>
     <p:extLst>
       <p:ext uri="{BB962C8B-B14F-4D97-AF65-F5344CB8AC3E}">
-        <p14:creationId xmlns:p14="http://schemas.microsoft.com/office/powerpoint/2010/main" val="3919482597"/>
+        <p14:creationId xmlns:p14="http://schemas.microsoft.com/office/powerpoint/2010/main" val="2953699087"/>
+      </p:ext>
+    </p:extLst>
+  </p:cSld>
+  <p:clrMapOvr>
+    <a:masterClrMapping/>
+  </p:clrMapOvr>
+</p:sld>
+</file>
+
+<file path=ppt/slides/slide16.xml><?xml version="1.0" encoding="utf-8"?>
+<p:sld xmlns:a="http://schemas.openxmlformats.org/drawingml/2006/main" xmlns:r="http://schemas.openxmlformats.org/officeDocument/2006/relationships" xmlns:p="http://schemas.openxmlformats.org/presentationml/2006/main">
+  <p:cSld>
+    <p:spTree>
+      <p:nvGrpSpPr>
+        <p:cNvPr id="1" name=""/>
+        <p:cNvGrpSpPr/>
+        <p:nvPr/>
+      </p:nvGrpSpPr>
+      <p:grpSpPr>
+        <a:xfrm>
+          <a:off x="0" y="0"/>
+          <a:ext cx="0" cy="0"/>
+          <a:chOff x="0" y="0"/>
+          <a:chExt cx="0" cy="0"/>
+        </a:xfrm>
+      </p:grpSpPr>
+      <p:sp>
+        <p:nvSpPr>
+          <p:cNvPr id="2" name="Title 1"/>
+          <p:cNvSpPr>
+            <a:spLocks noGrp="1"/>
+          </p:cNvSpPr>
+          <p:nvPr>
+            <p:ph type="title"/>
+          </p:nvPr>
+        </p:nvSpPr>
+        <p:spPr>
+          <a:xfrm>
+            <a:off x="457200" y="174857"/>
+            <a:ext cx="8229600" cy="1143000"/>
+          </a:xfrm>
+        </p:spPr>
+        <p:txBody>
+          <a:bodyPr/>
+          <a:lstStyle/>
+          <a:p>
+            <a:r>
+              <a:rPr lang="en-US" dirty="0" smtClean="0"/>
+              <a:t>Data Provenance </a:t>
+            </a:r>
+            <a:endParaRPr lang="en-US" dirty="0"/>
+          </a:p>
+        </p:txBody>
+      </p:sp>
+      <p:sp>
+        <p:nvSpPr>
+          <p:cNvPr id="3" name="Content Placeholder 2"/>
+          <p:cNvSpPr>
+            <a:spLocks noGrp="1"/>
+          </p:cNvSpPr>
+          <p:nvPr>
+            <p:ph idx="1"/>
+          </p:nvPr>
+        </p:nvSpPr>
+        <p:spPr>
+          <a:xfrm>
+            <a:off x="5645354" y="1417638"/>
+            <a:ext cx="3041445" cy="4525963"/>
+          </a:xfrm>
+        </p:spPr>
+        <p:txBody>
+          <a:bodyPr>
+            <a:normAutofit/>
+          </a:bodyPr>
+          <a:lstStyle/>
+          <a:p>
+            <a:pPr marL="0" indent="0">
+              <a:buNone/>
+            </a:pPr>
+            <a:r>
+              <a:rPr lang="en-US" sz="2400" dirty="0" smtClean="0"/>
+              <a:t>Creates  an </a:t>
+            </a:r>
+            <a:r>
+              <a:rPr lang="en-US" sz="2400" i="1" dirty="0" smtClean="0"/>
+              <a:t>executable </a:t>
+            </a:r>
+            <a:r>
+              <a:rPr lang="en-US" sz="2400" dirty="0" smtClean="0"/>
+              <a:t>workflow that tells us where the </a:t>
+            </a:r>
+            <a:r>
+              <a:rPr lang="en-US" sz="2400" b="1" dirty="0" smtClean="0"/>
+              <a:t>content</a:t>
+            </a:r>
+            <a:r>
+              <a:rPr lang="en-US" sz="2400" dirty="0" smtClean="0"/>
+              <a:t> comes from, how it is changed over time, and how those changes can be communicated to a user of the end product. </a:t>
+            </a:r>
+            <a:endParaRPr lang="en-US" sz="2400" dirty="0"/>
+          </a:p>
+        </p:txBody>
+      </p:sp>
+      <p:pic>
+        <p:nvPicPr>
+          <p:cNvPr id="4" name="Picture 3"/>
+          <p:cNvPicPr>
+            <a:picLocks noChangeAspect="1"/>
+          </p:cNvPicPr>
+          <p:nvPr/>
+        </p:nvPicPr>
+        <p:blipFill>
+          <a:blip r:embed="rId3"/>
+          <a:stretch>
+            <a:fillRect/>
+          </a:stretch>
+        </p:blipFill>
+        <p:spPr>
+          <a:xfrm>
+            <a:off x="352322" y="1417638"/>
+            <a:ext cx="4801420" cy="3921160"/>
+          </a:xfrm>
+          <a:prstGeom prst="rect">
+            <a:avLst/>
+          </a:prstGeom>
+        </p:spPr>
+      </p:pic>
+    </p:spTree>
+    <p:extLst>
+      <p:ext uri="{BB962C8B-B14F-4D97-AF65-F5344CB8AC3E}">
+        <p14:creationId xmlns:p14="http://schemas.microsoft.com/office/powerpoint/2010/main" val="3172617751"/>
       </p:ext>
     </p:extLst>
   </p:cSld>
@@ -4558,7 +5443,7 @@
           <a:p>
             <a:r>
               <a:rPr lang="en-US" dirty="0" smtClean="0"/>
-              <a:t>[make agenda]</a:t>
+              <a:t>Agenda	</a:t>
             </a:r>
             <a:endParaRPr lang="en-US" dirty="0"/>
           </a:p>
@@ -4579,7 +5464,39 @@
           <a:bodyPr/>
           <a:lstStyle/>
           <a:p>
-            <a:endParaRPr lang="en-US"/>
+            <a:r>
+              <a:rPr lang="en-US" dirty="0" smtClean="0"/>
+              <a:t>Mapping archives and RM concepts to data curation</a:t>
+            </a:r>
+          </a:p>
+          <a:p>
+            <a:pPr lvl="1"/>
+            <a:r>
+              <a:rPr lang="en-US" dirty="0" smtClean="0"/>
+              <a:t>Records</a:t>
+            </a:r>
+          </a:p>
+          <a:p>
+            <a:pPr lvl="1"/>
+            <a:r>
+              <a:rPr lang="en-US" dirty="0" smtClean="0"/>
+              <a:t>Context</a:t>
+            </a:r>
+          </a:p>
+          <a:p>
+            <a:pPr lvl="1"/>
+            <a:r>
+              <a:rPr lang="en-US" dirty="0" smtClean="0"/>
+              <a:t>Provenance</a:t>
+            </a:r>
+          </a:p>
+          <a:p>
+            <a:pPr lvl="1"/>
+            <a:r>
+              <a:rPr lang="en-US" dirty="0" smtClean="0"/>
+              <a:t>Disposal </a:t>
+            </a:r>
+            <a:endParaRPr lang="en-US" dirty="0"/>
           </a:p>
         </p:txBody>
       </p:sp>
@@ -4748,9 +5665,90 @@
           <a:chExt cx="0" cy="0"/>
         </a:xfrm>
       </p:grpSpPr>
-      <p:sp>
-        <p:nvSpPr>
-          <p:cNvPr id="2" name="Title 1"/>
+      <p:pic>
+        <p:nvPicPr>
+          <p:cNvPr id="4" name="Picture 3"/>
+          <p:cNvPicPr>
+            <a:picLocks noChangeAspect="1"/>
+          </p:cNvPicPr>
+          <p:nvPr/>
+        </p:nvPicPr>
+        <p:blipFill>
+          <a:blip r:embed="rId3"/>
+          <a:stretch>
+            <a:fillRect/>
+          </a:stretch>
+        </p:blipFill>
+        <p:spPr>
+          <a:xfrm>
+            <a:off x="457200" y="1905988"/>
+            <a:ext cx="3289300" cy="2463800"/>
+          </a:xfrm>
+          <a:prstGeom prst="rect">
+            <a:avLst/>
+          </a:prstGeom>
+        </p:spPr>
+      </p:pic>
+      <p:pic>
+        <p:nvPicPr>
+          <p:cNvPr id="5" name="Picture 4"/>
+          <p:cNvPicPr>
+            <a:picLocks noChangeAspect="1"/>
+          </p:cNvPicPr>
+          <p:nvPr/>
+        </p:nvPicPr>
+        <p:blipFill>
+          <a:blip r:embed="rId4"/>
+          <a:stretch>
+            <a:fillRect/>
+          </a:stretch>
+        </p:blipFill>
+        <p:spPr>
+          <a:xfrm>
+            <a:off x="5603687" y="1417638"/>
+            <a:ext cx="2942665" cy="3853987"/>
+          </a:xfrm>
+          <a:prstGeom prst="rect">
+            <a:avLst/>
+          </a:prstGeom>
+        </p:spPr>
+      </p:pic>
+      <p:cxnSp>
+        <p:nvCxnSpPr>
+          <p:cNvPr id="8" name="Straight Arrow Connector 7"/>
+          <p:cNvCxnSpPr/>
+          <p:nvPr/>
+        </p:nvCxnSpPr>
+        <p:spPr>
+          <a:xfrm flipV="1">
+            <a:off x="4105450" y="3225847"/>
+            <a:ext cx="1210235" cy="1"/>
+          </a:xfrm>
+          <a:prstGeom prst="straightConnector1">
+            <a:avLst/>
+          </a:prstGeom>
+          <a:ln>
+            <a:tailEnd type="arrow"/>
+          </a:ln>
+        </p:spPr>
+        <p:style>
+          <a:lnRef idx="3">
+            <a:schemeClr val="dk1"/>
+          </a:lnRef>
+          <a:fillRef idx="0">
+            <a:schemeClr val="dk1"/>
+          </a:fillRef>
+          <a:effectRef idx="2">
+            <a:schemeClr val="dk1"/>
+          </a:effectRef>
+          <a:fontRef idx="minor">
+            <a:schemeClr val="tx1"/>
+          </a:fontRef>
+        </p:style>
+      </p:cxnSp>
+      <p:sp>
+        <p:nvSpPr>
+          <p:cNvPr id="11" name="Title 1"/>
           <p:cNvSpPr>
             <a:spLocks noGrp="1"/>
           </p:cNvSpPr>
@@ -4758,7 +5756,12 @@
             <p:ph type="title"/>
           </p:nvPr>
         </p:nvSpPr>
-        <p:spPr/>
+        <p:spPr>
+          <a:xfrm>
+            <a:off x="457200" y="274638"/>
+            <a:ext cx="8229600" cy="1143000"/>
+          </a:xfrm>
+        </p:spPr>
         <p:txBody>
           <a:bodyPr/>
           <a:lstStyle/>
@@ -4766,90 +5769,14 @@
             <a:r>
               <a:rPr lang="en-US" dirty="0" smtClean="0">
                 <a:solidFill>
-                  <a:schemeClr val="bg1">
-                    <a:lumMod val="85000"/>
-                  </a:schemeClr>
+                  <a:srgbClr val="D9D9D9"/>
                 </a:solidFill>
               </a:rPr>
-              <a:t>Content, </a:t>
+              <a:t>Content, Context, and </a:t>
             </a:r>
             <a:r>
               <a:rPr lang="en-US" dirty="0" smtClean="0"/>
-              <a:t>Context</a:t>
-            </a:r>
-            <a:r>
-              <a:rPr lang="en-US" dirty="0" smtClean="0">
-                <a:solidFill>
-                  <a:schemeClr val="bg1">
-                    <a:lumMod val="85000"/>
-                  </a:schemeClr>
-                </a:solidFill>
-              </a:rPr>
-              <a:t>, and Structure</a:t>
-            </a:r>
-            <a:endParaRPr lang="en-US" dirty="0">
-              <a:solidFill>
-                <a:schemeClr val="bg1">
-                  <a:lumMod val="85000"/>
-                </a:schemeClr>
-              </a:solidFill>
-            </a:endParaRPr>
-          </a:p>
-        </p:txBody>
-      </p:sp>
-      <p:sp>
-        <p:nvSpPr>
-          <p:cNvPr id="3" name="Content Placeholder 2"/>
-          <p:cNvSpPr>
-            <a:spLocks noGrp="1"/>
-          </p:cNvSpPr>
-          <p:nvPr>
-            <p:ph idx="1"/>
-          </p:nvPr>
-        </p:nvSpPr>
-        <p:spPr/>
-        <p:txBody>
-          <a:bodyPr>
-            <a:normAutofit fontScale="92500" lnSpcReduction="20000"/>
-          </a:bodyPr>
-          <a:lstStyle/>
-          <a:p>
-            <a:pPr marL="0" indent="0">
-              <a:buNone/>
-            </a:pPr>
-            <a:r>
-              <a:rPr lang="en-US" dirty="0" smtClean="0"/>
-              <a:t>Provenance is about the context of a records production, use, and ownership. </a:t>
-            </a:r>
-          </a:p>
-          <a:p>
-            <a:pPr marL="0" indent="0">
-              <a:buNone/>
-            </a:pPr>
-            <a:endParaRPr lang="en-US" dirty="0"/>
-          </a:p>
-          <a:p>
-            <a:pPr marL="0" indent="0">
-              <a:buNone/>
-            </a:pPr>
-            <a:r>
-              <a:rPr lang="en-US" dirty="0" smtClean="0"/>
-              <a:t>In short  “…the significance of archival materials is heavily dependent on the context of their creation, and that the arrangement and description of these materials should be directly related to their original purpose and function.”  </a:t>
-            </a:r>
-          </a:p>
-          <a:p>
-            <a:pPr marL="0" indent="0">
-              <a:buNone/>
-            </a:pPr>
-            <a:endParaRPr lang="en-US" dirty="0"/>
-          </a:p>
-          <a:p>
-            <a:pPr marL="0" indent="0">
-              <a:buNone/>
-            </a:pPr>
-            <a:r>
-              <a:rPr lang="en-US" dirty="0" smtClean="0"/>
-              <a:t>		</a:t>
+              <a:t>Structure</a:t>
             </a:r>
             <a:endParaRPr lang="en-US" dirty="0"/>
           </a:p>
@@ -4858,20 +5785,13 @@
     </p:spTree>
     <p:extLst>
       <p:ext uri="{BB962C8B-B14F-4D97-AF65-F5344CB8AC3E}">
-        <p14:creationId xmlns:p14="http://schemas.microsoft.com/office/powerpoint/2010/main" val="2231054809"/>
+        <p14:creationId xmlns:p14="http://schemas.microsoft.com/office/powerpoint/2010/main" val="3159489039"/>
       </p:ext>
     </p:extLst>
   </p:cSld>
   <p:clrMapOvr>
     <a:masterClrMapping/>
   </p:clrMapOvr>
-  <p:timing>
-    <p:tnLst>
-      <p:par>
-        <p:cTn xmlns:p14="http://schemas.microsoft.com/office/powerpoint/2010/main" id="1" dur="indefinite" restart="never" nodeType="tmRoot"/>
-      </p:par>
-    </p:tnLst>
-  </p:timing>
 </p:sld>
 </file>
 
@@ -4908,74 +5828,90 @@
           <a:lstStyle/>
           <a:p>
             <a:r>
+              <a:rPr lang="en-US" dirty="0">
+                <a:solidFill>
+                  <a:srgbClr val="D9D9D9"/>
+                </a:solidFill>
+              </a:rPr>
+              <a:t>Content, Context, and </a:t>
+            </a:r>
+            <a:r>
+              <a:rPr lang="en-US" dirty="0"/>
+              <a:t>Structure</a:t>
+            </a:r>
+          </a:p>
+        </p:txBody>
+      </p:sp>
+      <p:sp>
+        <p:nvSpPr>
+          <p:cNvPr id="3" name="Content Placeholder 2"/>
+          <p:cNvSpPr>
+            <a:spLocks noGrp="1"/>
+          </p:cNvSpPr>
+          <p:nvPr>
+            <p:ph idx="1"/>
+          </p:nvPr>
+        </p:nvSpPr>
+        <p:spPr/>
+        <p:txBody>
+          <a:bodyPr/>
+          <a:lstStyle/>
+          <a:p>
+            <a:r>
               <a:rPr lang="en-US" dirty="0" smtClean="0"/>
-              <a:t>Provenance in Data Curation</a:t>
-            </a:r>
-            <a:endParaRPr lang="en-US" dirty="0"/>
-          </a:p>
-        </p:txBody>
-      </p:sp>
-      <p:sp>
-        <p:nvSpPr>
-          <p:cNvPr id="3" name="Content Placeholder 2"/>
-          <p:cNvSpPr>
-            <a:spLocks noGrp="1"/>
-          </p:cNvSpPr>
-          <p:nvPr>
-            <p:ph idx="1"/>
-          </p:nvPr>
-        </p:nvSpPr>
-        <p:spPr/>
-        <p:txBody>
-          <a:bodyPr/>
-          <a:lstStyle/>
-          <a:p>
-            <a:pPr marL="0" indent="0">
-              <a:buNone/>
-            </a:pPr>
+              <a:t>Respect “du </a:t>
+            </a:r>
+            <a:r>
+              <a:rPr lang="en-US" dirty="0" err="1" smtClean="0"/>
+              <a:t>fondes</a:t>
+            </a:r>
             <a:r>
               <a:rPr lang="en-US" dirty="0" smtClean="0"/>
-              <a:t>Data provenance -  a type of metadata that “pertains to the derivation history of a data product starting from its original sources.”</a:t>
-            </a:r>
-          </a:p>
-          <a:p>
-            <a:pPr marL="0" indent="0">
-              <a:buNone/>
-            </a:pPr>
-            <a:r>
-              <a:rPr lang="en-US" dirty="0" smtClean="0"/>
-              <a:t>		(</a:t>
-            </a:r>
-            <a:r>
-              <a:rPr lang="en-US" dirty="0" err="1" smtClean="0"/>
-              <a:t>Simmhan</a:t>
-            </a:r>
-            <a:r>
-              <a:rPr lang="en-US" dirty="0" smtClean="0"/>
-              <a:t> </a:t>
-            </a:r>
-            <a:r>
-              <a:rPr lang="en-US" dirty="0" err="1" smtClean="0"/>
-              <a:t>Plale</a:t>
-            </a:r>
-            <a:r>
-              <a:rPr lang="en-US" dirty="0" smtClean="0"/>
-              <a:t> and Gannon, 2005)</a:t>
-            </a:r>
-            <a:endParaRPr lang="en-US" dirty="0"/>
+              <a:t>”  - original order of record keeper. </a:t>
+            </a:r>
           </a:p>
           <a:p>
             <a:pPr marL="0" indent="0">
               <a:buNone/>
             </a:pPr>
             <a:endParaRPr lang="en-US" dirty="0"/>
+          </a:p>
+          <a:p>
+            <a:pPr>
+              <a:buFontTx/>
+              <a:buChar char="-"/>
+            </a:pPr>
+            <a:r>
+              <a:rPr lang="en-US" dirty="0" smtClean="0"/>
+              <a:t>Important first step in a curation process: </a:t>
+            </a:r>
+          </a:p>
+          <a:p>
+            <a:pPr lvl="1">
+              <a:buFontTx/>
+              <a:buChar char="-"/>
+            </a:pPr>
+            <a:r>
+              <a:rPr lang="en-US" dirty="0" smtClean="0"/>
+              <a:t>Define the intended goal of preservation</a:t>
+            </a:r>
+          </a:p>
+          <a:p>
+            <a:pPr lvl="1">
+              <a:buFontTx/>
+              <a:buChar char="-"/>
+            </a:pPr>
+            <a:r>
+              <a:rPr lang="en-US" dirty="0" smtClean="0"/>
+              <a:t>Access to record creator / access to potential reusers </a:t>
+            </a:r>
           </a:p>
         </p:txBody>
       </p:sp>
     </p:spTree>
     <p:extLst>
       <p:ext uri="{BB962C8B-B14F-4D97-AF65-F5344CB8AC3E}">
-        <p14:creationId xmlns:p14="http://schemas.microsoft.com/office/powerpoint/2010/main" val="1525482423"/>
+        <p14:creationId xmlns:p14="http://schemas.microsoft.com/office/powerpoint/2010/main" val="123375141"/>
       </p:ext>
     </p:extLst>
   </p:cSld>
@@ -5018,90 +5954,114 @@
           <a:lstStyle/>
           <a:p>
             <a:r>
+              <a:rPr lang="en-US" dirty="0" smtClean="0">
+                <a:solidFill>
+                  <a:schemeClr val="bg1">
+                    <a:lumMod val="85000"/>
+                  </a:schemeClr>
+                </a:solidFill>
+              </a:rPr>
+              <a:t>Content, </a:t>
+            </a:r>
+            <a:r>
               <a:rPr lang="en-US" dirty="0" smtClean="0"/>
-              <a:t>Data Provenance</a:t>
-            </a:r>
+              <a:t>Context</a:t>
+            </a:r>
+            <a:r>
+              <a:rPr lang="en-US" dirty="0" smtClean="0">
+                <a:solidFill>
+                  <a:schemeClr val="bg1">
+                    <a:lumMod val="85000"/>
+                  </a:schemeClr>
+                </a:solidFill>
+              </a:rPr>
+              <a:t>, and Structure</a:t>
+            </a:r>
+            <a:endParaRPr lang="en-US" dirty="0">
+              <a:solidFill>
+                <a:schemeClr val="bg1">
+                  <a:lumMod val="85000"/>
+                </a:schemeClr>
+              </a:solidFill>
+            </a:endParaRPr>
+          </a:p>
+        </p:txBody>
+      </p:sp>
+      <p:sp>
+        <p:nvSpPr>
+          <p:cNvPr id="3" name="Content Placeholder 2"/>
+          <p:cNvSpPr>
+            <a:spLocks noGrp="1"/>
+          </p:cNvSpPr>
+          <p:nvPr>
+            <p:ph idx="1"/>
+          </p:nvPr>
+        </p:nvSpPr>
+        <p:spPr/>
+        <p:txBody>
+          <a:bodyPr>
+            <a:normAutofit fontScale="92500" lnSpcReduction="20000"/>
+          </a:bodyPr>
+          <a:lstStyle/>
+          <a:p>
+            <a:pPr marL="0" indent="0">
+              <a:buNone/>
+            </a:pPr>
+            <a:r>
+              <a:rPr lang="en-US" dirty="0" smtClean="0"/>
+              <a:t>Provenance is about the context of a records production, use, and ownership. </a:t>
+            </a:r>
+          </a:p>
+          <a:p>
+            <a:pPr marL="0" indent="0">
+              <a:buNone/>
+            </a:pPr>
             <a:endParaRPr lang="en-US" dirty="0"/>
           </a:p>
-        </p:txBody>
-      </p:sp>
-      <p:sp>
-        <p:nvSpPr>
-          <p:cNvPr id="3" name="Content Placeholder 2"/>
-          <p:cNvSpPr>
-            <a:spLocks noGrp="1"/>
-          </p:cNvSpPr>
-          <p:nvPr>
-            <p:ph idx="1"/>
-          </p:nvPr>
-        </p:nvSpPr>
-        <p:spPr/>
-        <p:txBody>
-          <a:bodyPr/>
-          <a:lstStyle/>
           <a:p>
             <a:pPr marL="0" indent="0">
               <a:buNone/>
             </a:pPr>
             <a:r>
               <a:rPr lang="en-US" dirty="0" smtClean="0"/>
-              <a:t>“…information about entities, activities, and people involved in producing a piece of data or thing, which can be used to form assessments about its quality, reliability or trustworthiness.” 	</a:t>
-            </a:r>
-            <a:r>
-              <a:rPr lang="en-US" sz="1800" dirty="0" smtClean="0"/>
-              <a:t>W3C Provenance Incubator Group</a:t>
-            </a:r>
-            <a:endParaRPr lang="en-US" sz="1800" dirty="0"/>
-          </a:p>
-        </p:txBody>
-      </p:sp>
-      <p:sp>
-        <p:nvSpPr>
-          <p:cNvPr id="4" name="Rectangle 3"/>
-          <p:cNvSpPr/>
-          <p:nvPr/>
-        </p:nvSpPr>
-        <p:spPr>
-          <a:xfrm>
-            <a:off x="7339688" y="5402131"/>
-            <a:ext cx="1531188" cy="215444"/>
-          </a:xfrm>
-          <a:prstGeom prst="rect">
-            <a:avLst/>
-          </a:prstGeom>
-        </p:spPr>
-        <p:txBody>
-          <a:bodyPr wrap="none">
-            <a:spAutoFit/>
-          </a:bodyPr>
-          <a:lstStyle/>
-          <a:p>
-            <a:r>
-              <a:rPr lang="en-US" sz="800" dirty="0" smtClean="0"/>
-              <a:t>http://www.w3.org/TR/</a:t>
-            </a:r>
-            <a:r>
-              <a:rPr lang="en-US" sz="800" dirty="0" err="1" smtClean="0"/>
-              <a:t>prov-dm</a:t>
-            </a:r>
-            <a:r>
-              <a:rPr lang="en-US" sz="800" dirty="0" smtClean="0"/>
-              <a:t>/</a:t>
-            </a:r>
-            <a:endParaRPr lang="en-US" sz="800" dirty="0"/>
+              <a:t>In short  “…the significance of archival materials is heavily dependent on the context of their creation, and that the arrangement and description of these materials should be directly related to their original purpose and function.”  </a:t>
+            </a:r>
+          </a:p>
+          <a:p>
+            <a:pPr marL="0" indent="0">
+              <a:buNone/>
+            </a:pPr>
+            <a:endParaRPr lang="en-US" dirty="0"/>
+          </a:p>
+          <a:p>
+            <a:pPr marL="0" indent="0">
+              <a:buNone/>
+            </a:pPr>
+            <a:r>
+              <a:rPr lang="en-US" dirty="0" smtClean="0"/>
+              <a:t>		</a:t>
+            </a:r>
+            <a:endParaRPr lang="en-US" dirty="0"/>
           </a:p>
         </p:txBody>
       </p:sp>
     </p:spTree>
     <p:extLst>
       <p:ext uri="{BB962C8B-B14F-4D97-AF65-F5344CB8AC3E}">
-        <p14:creationId xmlns:p14="http://schemas.microsoft.com/office/powerpoint/2010/main" val="524810525"/>
+        <p14:creationId xmlns:p14="http://schemas.microsoft.com/office/powerpoint/2010/main" val="2231054809"/>
       </p:ext>
     </p:extLst>
   </p:cSld>
   <p:clrMapOvr>
     <a:masterClrMapping/>
   </p:clrMapOvr>
+  <p:timing>
+    <p:tnLst>
+      <p:par>
+        <p:cTn xmlns:p14="http://schemas.microsoft.com/office/powerpoint/2010/main" id="1" dur="indefinite" restart="never" nodeType="tmRoot"/>
+      </p:par>
+    </p:tnLst>
+  </p:timing>
 </p:sld>
 </file>
 
@@ -5138,45 +6098,74 @@
           <a:lstStyle/>
           <a:p>
             <a:r>
+              <a:rPr lang="en-US" dirty="0" smtClean="0"/>
+              <a:t>Provenance in Data Curation</a:t>
+            </a:r>
+            <a:endParaRPr lang="en-US" dirty="0"/>
+          </a:p>
+        </p:txBody>
+      </p:sp>
+      <p:sp>
+        <p:nvSpPr>
+          <p:cNvPr id="3" name="Content Placeholder 2"/>
+          <p:cNvSpPr>
+            <a:spLocks noGrp="1"/>
+          </p:cNvSpPr>
+          <p:nvPr>
+            <p:ph idx="1"/>
+          </p:nvPr>
+        </p:nvSpPr>
+        <p:spPr/>
+        <p:txBody>
+          <a:bodyPr/>
+          <a:lstStyle/>
+          <a:p>
+            <a:pPr marL="0" indent="0">
+              <a:buNone/>
+            </a:pPr>
+            <a:r>
+              <a:rPr lang="en-US" dirty="0" smtClean="0"/>
+              <a:t>Data provenance -  a type of metadata that “pertains to the derivation history of a data product starting from its original sources.”</a:t>
+            </a:r>
+          </a:p>
+          <a:p>
+            <a:pPr marL="0" indent="0">
+              <a:buNone/>
+            </a:pPr>
+            <a:r>
+              <a:rPr lang="en-US" dirty="0" smtClean="0"/>
+              <a:t>		(</a:t>
+            </a:r>
+            <a:r>
               <a:rPr lang="en-US" dirty="0" err="1" smtClean="0"/>
-              <a:t>Prov</a:t>
+              <a:t>Simmhan</a:t>
             </a:r>
             <a:r>
               <a:rPr lang="en-US" dirty="0" smtClean="0"/>
-              <a:t>-O</a:t>
+              <a:t> </a:t>
+            </a:r>
+            <a:r>
+              <a:rPr lang="en-US" dirty="0" err="1" smtClean="0"/>
+              <a:t>Plale</a:t>
+            </a:r>
+            <a:r>
+              <a:rPr lang="en-US" dirty="0" smtClean="0"/>
+              <a:t> and Gannon, 2005)</a:t>
             </a:r>
             <a:endParaRPr lang="en-US" dirty="0"/>
           </a:p>
-        </p:txBody>
-      </p:sp>
-      <p:pic>
-        <p:nvPicPr>
-          <p:cNvPr id="5" name="Picture 4"/>
-          <p:cNvPicPr>
-            <a:picLocks noChangeAspect="1"/>
-          </p:cNvPicPr>
-          <p:nvPr/>
-        </p:nvPicPr>
-        <p:blipFill>
-          <a:blip r:embed="rId2"/>
-          <a:stretch>
-            <a:fillRect/>
-          </a:stretch>
-        </p:blipFill>
-        <p:spPr>
-          <a:xfrm>
-            <a:off x="1852706" y="1650253"/>
-            <a:ext cx="4960471" cy="3064862"/>
-          </a:xfrm>
-          <a:prstGeom prst="rect">
-            <a:avLst/>
-          </a:prstGeom>
-        </p:spPr>
-      </p:pic>
+          <a:p>
+            <a:pPr marL="0" indent="0">
+              <a:buNone/>
+            </a:pPr>
+            <a:endParaRPr lang="en-US" dirty="0"/>
+          </a:p>
+        </p:txBody>
+      </p:sp>
     </p:spTree>
     <p:extLst>
       <p:ext uri="{BB962C8B-B14F-4D97-AF65-F5344CB8AC3E}">
-        <p14:creationId xmlns:p14="http://schemas.microsoft.com/office/powerpoint/2010/main" val="716507826"/>
+        <p14:creationId xmlns:p14="http://schemas.microsoft.com/office/powerpoint/2010/main" val="1525482423"/>
       </p:ext>
     </p:extLst>
   </p:cSld>
@@ -5203,34 +6192,100 @@
           <a:chExt cx="0" cy="0"/>
         </a:xfrm>
       </p:grpSpPr>
-      <p:pic>
-        <p:nvPicPr>
-          <p:cNvPr id="4" name="Picture 3"/>
-          <p:cNvPicPr>
-            <a:picLocks noChangeAspect="1"/>
-          </p:cNvPicPr>
+      <p:sp>
+        <p:nvSpPr>
+          <p:cNvPr id="2" name="Title 1"/>
+          <p:cNvSpPr>
+            <a:spLocks noGrp="1"/>
+          </p:cNvSpPr>
+          <p:nvPr>
+            <p:ph type="title"/>
+          </p:nvPr>
+        </p:nvSpPr>
+        <p:spPr/>
+        <p:txBody>
+          <a:bodyPr/>
+          <a:lstStyle/>
+          <a:p>
+            <a:r>
+              <a:rPr lang="en-US" dirty="0" smtClean="0"/>
+              <a:t>Data Provenance</a:t>
+            </a:r>
+            <a:endParaRPr lang="en-US" dirty="0"/>
+          </a:p>
+        </p:txBody>
+      </p:sp>
+      <p:sp>
+        <p:nvSpPr>
+          <p:cNvPr id="3" name="Content Placeholder 2"/>
+          <p:cNvSpPr>
+            <a:spLocks noGrp="1"/>
+          </p:cNvSpPr>
+          <p:nvPr>
+            <p:ph idx="1"/>
+          </p:nvPr>
+        </p:nvSpPr>
+        <p:spPr/>
+        <p:txBody>
+          <a:bodyPr/>
+          <a:lstStyle/>
+          <a:p>
+            <a:pPr marL="0" indent="0">
+              <a:buNone/>
+            </a:pPr>
+            <a:r>
+              <a:rPr lang="en-US" dirty="0" smtClean="0"/>
+              <a:t>“…information about entities, activities, and people involved in producing a piece of data or thing, which can be used to form assessments about its quality, reliability or trustworthiness.” 	</a:t>
+            </a:r>
+            <a:r>
+              <a:rPr lang="en-US" sz="1800" dirty="0" smtClean="0"/>
+              <a:t>W3C Provenance Incubator Group</a:t>
+            </a:r>
+            <a:endParaRPr lang="en-US" sz="1800" dirty="0"/>
+          </a:p>
+        </p:txBody>
+      </p:sp>
+      <p:sp>
+        <p:nvSpPr>
+          <p:cNvPr id="4" name="Rectangle 3"/>
+          <p:cNvSpPr/>
           <p:nvPr/>
-        </p:nvPicPr>
-        <p:blipFill>
-          <a:blip r:embed="rId2"/>
-          <a:stretch>
-            <a:fillRect/>
-          </a:stretch>
-        </p:blipFill>
+        </p:nvSpPr>
         <p:spPr>
           <a:xfrm>
-            <a:off x="1991513" y="568310"/>
-            <a:ext cx="5111315" cy="4216835"/>
+            <a:off x="7339688" y="5402131"/>
+            <a:ext cx="1531188" cy="215444"/>
           </a:xfrm>
           <a:prstGeom prst="rect">
             <a:avLst/>
           </a:prstGeom>
         </p:spPr>
-      </p:pic>
+        <p:txBody>
+          <a:bodyPr wrap="none">
+            <a:spAutoFit/>
+          </a:bodyPr>
+          <a:lstStyle/>
+          <a:p>
+            <a:r>
+              <a:rPr lang="en-US" sz="800" dirty="0" smtClean="0"/>
+              <a:t>http://www.w3.org/TR/</a:t>
+            </a:r>
+            <a:r>
+              <a:rPr lang="en-US" sz="800" dirty="0" err="1" smtClean="0"/>
+              <a:t>prov-dm</a:t>
+            </a:r>
+            <a:r>
+              <a:rPr lang="en-US" sz="800" dirty="0" smtClean="0"/>
+              <a:t>/</a:t>
+            </a:r>
+            <a:endParaRPr lang="en-US" sz="800" dirty="0"/>
+          </a:p>
+        </p:txBody>
+      </p:sp>
     </p:spTree>
     <p:extLst>
       <p:ext uri="{BB962C8B-B14F-4D97-AF65-F5344CB8AC3E}">
-        <p14:creationId xmlns:p14="http://schemas.microsoft.com/office/powerpoint/2010/main" val="4013787972"/>
+        <p14:creationId xmlns:p14="http://schemas.microsoft.com/office/powerpoint/2010/main" val="524810525"/>
       </p:ext>
     </p:extLst>
   </p:cSld>
@@ -5273,180 +6328,45 @@
           <a:lstStyle/>
           <a:p>
             <a:r>
+              <a:rPr lang="en-US" dirty="0" err="1" smtClean="0"/>
+              <a:t>Prov</a:t>
+            </a:r>
+            <a:r>
               <a:rPr lang="en-US" dirty="0" smtClean="0"/>
-              <a:t>Descriptive Metadata</a:t>
+              <a:t>-O</a:t>
             </a:r>
             <a:endParaRPr lang="en-US" dirty="0"/>
           </a:p>
         </p:txBody>
       </p:sp>
-      <p:sp>
-        <p:nvSpPr>
-          <p:cNvPr id="3" name="Content Placeholder 2"/>
-          <p:cNvSpPr>
-            <a:spLocks noGrp="1"/>
-          </p:cNvSpPr>
-          <p:nvPr>
-            <p:ph idx="1"/>
-          </p:nvPr>
-        </p:nvSpPr>
+      <p:pic>
+        <p:nvPicPr>
+          <p:cNvPr id="5" name="Picture 4"/>
+          <p:cNvPicPr>
+            <a:picLocks noChangeAspect="1"/>
+          </p:cNvPicPr>
+          <p:nvPr/>
+        </p:nvPicPr>
+        <p:blipFill>
+          <a:blip r:embed="rId3"/>
+          <a:stretch>
+            <a:fillRect/>
+          </a:stretch>
+        </p:blipFill>
         <p:spPr>
           <a:xfrm>
-            <a:off x="791882" y="1688353"/>
-            <a:ext cx="7894917" cy="3839882"/>
+            <a:off x="1852706" y="1650253"/>
+            <a:ext cx="4960471" cy="3064862"/>
           </a:xfrm>
+          <a:prstGeom prst="rect">
+            <a:avLst/>
+          </a:prstGeom>
         </p:spPr>
-        <p:txBody>
-          <a:bodyPr>
-            <a:normAutofit lnSpcReduction="10000"/>
-          </a:bodyPr>
-          <a:lstStyle/>
-          <a:p>
-            <a:pPr marL="0" indent="0">
-              <a:buNone/>
-            </a:pPr>
-            <a:r>
-              <a:rPr lang="en-US" sz="2000" dirty="0" smtClean="0">
-                <a:latin typeface="American Typewriter"/>
-                <a:cs typeface="American Typewriter"/>
-              </a:rPr>
-              <a:t>&lt;creator&gt; Pablo Picasso, Spanish, 1881-1973, in Paris after 1904</a:t>
-            </a:r>
-            <a:br>
-              <a:rPr lang="en-US" sz="2000" dirty="0" smtClean="0">
-                <a:latin typeface="American Typewriter"/>
-                <a:cs typeface="American Typewriter"/>
-              </a:rPr>
-            </a:br>
-            <a:endParaRPr lang="en-US" sz="2000" dirty="0" smtClean="0">
-              <a:latin typeface="American Typewriter"/>
-              <a:cs typeface="American Typewriter"/>
-            </a:endParaRPr>
-          </a:p>
-          <a:p>
-            <a:pPr marL="0" indent="0">
-              <a:buNone/>
-            </a:pPr>
-            <a:r>
-              <a:rPr lang="en-US" sz="2000" dirty="0" smtClean="0">
-                <a:latin typeface="American Typewriter"/>
-                <a:cs typeface="American Typewriter"/>
-              </a:rPr>
-              <a:t>&lt;title&gt; </a:t>
-            </a:r>
-            <a:r>
-              <a:rPr lang="en-US" sz="2000" i="1" dirty="0" smtClean="0">
-                <a:latin typeface="American Typewriter"/>
-                <a:cs typeface="American Typewriter"/>
-              </a:rPr>
-              <a:t>Guitar on a Table</a:t>
-            </a:r>
-            <a:br>
-              <a:rPr lang="en-US" sz="2000" i="1" dirty="0" smtClean="0">
-                <a:latin typeface="American Typewriter"/>
-                <a:cs typeface="American Typewriter"/>
-              </a:rPr>
-            </a:br>
-            <a:endParaRPr lang="en-US" sz="2000" i="1" dirty="0" smtClean="0">
-              <a:latin typeface="American Typewriter"/>
-              <a:cs typeface="American Typewriter"/>
-            </a:endParaRPr>
-          </a:p>
-          <a:p>
-            <a:pPr marL="0" indent="0">
-              <a:buNone/>
-            </a:pPr>
-            <a:r>
-              <a:rPr lang="en-US" sz="2000" i="1" dirty="0" smtClean="0">
-                <a:latin typeface="American Typewriter"/>
-                <a:cs typeface="American Typewriter"/>
-              </a:rPr>
-              <a:t>&lt;date&gt; </a:t>
-            </a:r>
-            <a:r>
-              <a:rPr lang="en-US" sz="2000" dirty="0" smtClean="0">
-                <a:latin typeface="American Typewriter"/>
-                <a:cs typeface="American Typewriter"/>
-              </a:rPr>
-              <a:t>1912</a:t>
-            </a:r>
-            <a:br>
-              <a:rPr lang="en-US" sz="2000" dirty="0" smtClean="0">
-                <a:latin typeface="American Typewriter"/>
-                <a:cs typeface="American Typewriter"/>
-              </a:rPr>
-            </a:br>
-            <a:endParaRPr lang="en-US" sz="2000" dirty="0" smtClean="0">
-              <a:latin typeface="American Typewriter"/>
-              <a:cs typeface="American Typewriter"/>
-            </a:endParaRPr>
-          </a:p>
-          <a:p>
-            <a:pPr marL="0" indent="0">
-              <a:buNone/>
-            </a:pPr>
-            <a:r>
-              <a:rPr lang="en-US" sz="2000" dirty="0" smtClean="0">
-                <a:latin typeface="American Typewriter"/>
-                <a:cs typeface="American Typewriter"/>
-              </a:rPr>
-              <a:t>&lt;medium&gt;Oil, sand, and charcoal on canvas</a:t>
-            </a:r>
-            <a:br>
-              <a:rPr lang="en-US" sz="2000" dirty="0" smtClean="0">
-                <a:latin typeface="American Typewriter"/>
-                <a:cs typeface="American Typewriter"/>
-              </a:rPr>
-            </a:br>
-            <a:endParaRPr lang="en-US" sz="2000" dirty="0" smtClean="0">
-              <a:latin typeface="American Typewriter"/>
-              <a:cs typeface="American Typewriter"/>
-            </a:endParaRPr>
-          </a:p>
-          <a:p>
-            <a:pPr marL="0" indent="0">
-              <a:buNone/>
-            </a:pPr>
-            <a:r>
-              <a:rPr lang="en-US" sz="2000" dirty="0" smtClean="0">
-                <a:latin typeface="American Typewriter"/>
-                <a:cs typeface="American Typewriter"/>
-              </a:rPr>
-              <a:t>&lt;size&gt; 20 1/8 x 24 1/4 in (51.1 x 61.6 cm)</a:t>
-            </a:r>
-            <a:br>
-              <a:rPr lang="en-US" sz="2000" dirty="0" smtClean="0">
-                <a:latin typeface="American Typewriter"/>
-                <a:cs typeface="American Typewriter"/>
-              </a:rPr>
-            </a:br>
-            <a:endParaRPr lang="en-US" sz="2000" dirty="0" smtClean="0">
-              <a:latin typeface="American Typewriter"/>
-              <a:cs typeface="American Typewriter"/>
-            </a:endParaRPr>
-          </a:p>
-          <a:p>
-            <a:pPr marL="0" indent="0">
-              <a:buNone/>
-            </a:pPr>
-            <a:r>
-              <a:rPr lang="en-US" sz="2000" dirty="0" smtClean="0">
-                <a:latin typeface="American Typewriter"/>
-                <a:cs typeface="American Typewriter"/>
-              </a:rPr>
-              <a:t>&lt;origin&gt; Gift of Nelson A. Rockefeller, Class of 1930; P.975.79</a:t>
-            </a:r>
-            <a:endParaRPr lang="en-US" sz="2000" dirty="0">
-              <a:latin typeface="American Typewriter"/>
-              <a:cs typeface="American Typewriter"/>
-            </a:endParaRPr>
-          </a:p>
-        </p:txBody>
-      </p:sp>
+      </p:pic>
     </p:spTree>
     <p:extLst>
       <p:ext uri="{BB962C8B-B14F-4D97-AF65-F5344CB8AC3E}">
-        <p14:creationId xmlns:p14="http://schemas.microsoft.com/office/powerpoint/2010/main" val="2805563517"/>
+        <p14:creationId xmlns:p14="http://schemas.microsoft.com/office/powerpoint/2010/main" val="716507826"/>
       </p:ext>
     </p:extLst>
   </p:cSld>

--- a/Day_1/Lectures/Day_1_Lecture_Arch.pptx
+++ b/Day_1/Lectures/Day_1_Lecture_Arch.pptx
@@ -1376,13 +1376,9 @@
             </a:r>
             <a:r>
               <a:rPr lang="en-US" baseline="0" dirty="0" smtClean="0"/>
-              <a:t> different contexts of planning, use, </a:t>
-            </a:r>
-            <a:r>
-              <a:rPr lang="en-US" baseline="0" smtClean="0"/>
-              <a:t>and reuse. </a:t>
-            </a:r>
-            <a:endParaRPr lang="en-US"/>
+              <a:t> different contexts of planning, use, and reuse. </a:t>
+            </a:r>
+            <a:endParaRPr lang="en-US" dirty="0"/>
           </a:p>
         </p:txBody>
       </p:sp>
@@ -4892,19 +4888,8 @@
                 <a:latin typeface="American Typewriter"/>
                 <a:cs typeface="American Typewriter"/>
               </a:rPr>
-              <a:t>Pablo Picasso, Spanish, 1881-1973, in Paris after </a:t>
-            </a:r>
-            <a:r>
-              <a:rPr lang="en-US" sz="2000" dirty="0" smtClean="0">
-                <a:latin typeface="American Typewriter"/>
-                <a:cs typeface="American Typewriter"/>
-              </a:rPr>
-              <a:t>1904</a:t>
-            </a:r>
-            <a:endParaRPr lang="en-US" sz="2000" dirty="0" smtClean="0">
-              <a:latin typeface="American Typewriter"/>
-              <a:cs typeface="American Typewriter"/>
-            </a:endParaRPr>
+              <a:t>Pablo Picasso, Spanish, 1881-1973, in Paris after 1904</a:t>
+            </a:r>
           </a:p>
           <a:p>
             <a:pPr marL="0" indent="0">
@@ -4922,19 +4907,8 @@
                 <a:latin typeface="American Typewriter"/>
                 <a:cs typeface="American Typewriter"/>
               </a:rPr>
-              <a:t>Guitar on a </a:t>
-            </a:r>
-            <a:r>
-              <a:rPr lang="en-US" sz="2000" i="1" dirty="0" smtClean="0">
-                <a:latin typeface="American Typewriter"/>
-                <a:cs typeface="American Typewriter"/>
-              </a:rPr>
-              <a:t>Table</a:t>
-            </a:r>
-            <a:endParaRPr lang="en-US" sz="2000" i="1" dirty="0" smtClean="0">
-              <a:latin typeface="American Typewriter"/>
-              <a:cs typeface="American Typewriter"/>
-            </a:endParaRPr>
+              <a:t>Guitar on a Table</a:t>
+            </a:r>
           </a:p>
           <a:p>
             <a:pPr marL="0" indent="0">
@@ -4954,10 +4928,6 @@
               </a:rPr>
               <a:t>1912</a:t>
             </a:r>
-            <a:endParaRPr lang="en-US" sz="2000" dirty="0" smtClean="0">
-              <a:latin typeface="American Typewriter"/>
-              <a:cs typeface="American Typewriter"/>
-            </a:endParaRPr>
           </a:p>
           <a:p>
             <a:pPr marL="0" indent="0">
@@ -4968,40 +4938,15 @@
                 <a:latin typeface="American Typewriter"/>
                 <a:cs typeface="American Typewriter"/>
               </a:rPr>
-              <a:t>&lt;medium</a:t>
-            </a:r>
-            <a:r>
-              <a:rPr lang="en-US" sz="2000" b="1" dirty="0" smtClean="0">
-                <a:latin typeface="American Typewriter"/>
-                <a:cs typeface="American Typewriter"/>
-              </a:rPr>
-              <a:t>&gt; </a:t>
+              <a:t>&lt;medium&gt; </a:t>
             </a:r>
             <a:r>
               <a:rPr lang="en-US" sz="2000" dirty="0" smtClean="0">
                 <a:latin typeface="American Typewriter"/>
                 <a:cs typeface="American Typewriter"/>
               </a:rPr>
-              <a:t>Oil</a:t>
-            </a:r>
-            <a:r>
-              <a:rPr lang="en-US" sz="2000" dirty="0" smtClean="0">
-                <a:latin typeface="American Typewriter"/>
-                <a:cs typeface="American Typewriter"/>
-              </a:rPr>
-              <a:t>, sand, and charcoal on </a:t>
-            </a:r>
-            <a:r>
-              <a:rPr lang="en-US" sz="2000" dirty="0" smtClean="0">
-                <a:latin typeface="American Typewriter"/>
-                <a:cs typeface="American Typewriter"/>
-              </a:rPr>
-              <a:t>canvas</a:t>
-            </a:r>
-            <a:endParaRPr lang="en-US" sz="2000" dirty="0" smtClean="0">
-              <a:latin typeface="American Typewriter"/>
-              <a:cs typeface="American Typewriter"/>
-            </a:endParaRPr>
+              <a:t>Oil, sand, and charcoal on canvas</a:t>
+            </a:r>
           </a:p>
           <a:p>
             <a:pPr marL="0" indent="0">
@@ -5019,19 +4964,8 @@
                 <a:latin typeface="American Typewriter"/>
                 <a:cs typeface="American Typewriter"/>
               </a:rPr>
-              <a:t>20 1/8 x 24 1/4 in (51.1 x 61.6 cm</a:t>
-            </a:r>
-            <a:r>
-              <a:rPr lang="en-US" sz="2000" dirty="0" smtClean="0">
-                <a:latin typeface="American Typewriter"/>
-                <a:cs typeface="American Typewriter"/>
-              </a:rPr>
-              <a:t>)</a:t>
-            </a:r>
-            <a:endParaRPr lang="en-US" sz="2000" dirty="0" smtClean="0">
-              <a:latin typeface="American Typewriter"/>
-              <a:cs typeface="American Typewriter"/>
-            </a:endParaRPr>
+              <a:t>20 1/8 x 24 1/4 in (51.1 x 61.6 cm)</a:t>
+            </a:r>
           </a:p>
           <a:p>
             <a:pPr marL="0" indent="0">
@@ -5148,7 +5082,7 @@
         </p:blipFill>
         <p:spPr>
           <a:xfrm>
-            <a:off x="0" y="216367"/>
+            <a:off x="0" y="189154"/>
             <a:ext cx="9144000" cy="5550851"/>
           </a:xfrm>
           <a:prstGeom prst="rect">
@@ -5489,14 +5423,7 @@
               <a:rPr lang="en-US" dirty="0" smtClean="0"/>
               <a:t>Provenance</a:t>
             </a:r>
-          </a:p>
-          <a:p>
-            <a:pPr lvl="1"/>
-            <a:r>
-              <a:rPr lang="en-US" dirty="0" smtClean="0"/>
-              <a:t>Disposal </a:t>
-            </a:r>
-            <a:endParaRPr lang="en-US" dirty="0"/>
+            <a:endParaRPr lang="en-US" dirty="0" smtClean="0"/>
           </a:p>
         </p:txBody>
       </p:sp>
@@ -5859,11 +5786,15 @@
           <a:p>
             <a:r>
               <a:rPr lang="en-US" dirty="0" smtClean="0"/>
-              <a:t>Respect “du </a:t>
+              <a:t>Respect “</a:t>
+            </a:r>
+            <a:r>
+              <a:rPr lang="en-US" dirty="0" smtClean="0"/>
+              <a:t>des </a:t>
             </a:r>
             <a:r>
               <a:rPr lang="en-US" dirty="0" err="1" smtClean="0"/>
-              <a:t>fondes</a:t>
+              <a:t>fonds</a:t>
             </a:r>
             <a:r>
               <a:rPr lang="en-US" dirty="0" smtClean="0"/>
